--- a/pdfService/uploads/pptx/test.pptx
+++ b/pdfService/uploads/pptx/test.pptx
@@ -1061,8 +1061,8 @@
         </p:nvSpPr>
         <p:spPr>
           <a:xfrm>
-            <a:off x="4572000" y="914400"/>
-            <a:ext cx="6858000" cy="0"/>
+            <a:off x="457200" y="457200"/>
+            <a:ext cx="8229600" cy="914400"/>
           </a:xfrm>
           <a:prstGeom prst="rect">
             <a:avLst/>
@@ -1074,11 +1074,11 @@
           <a:bodyPr wrap="square" rtlCol="0" anchor="ctr"/>
           <a:lstStyle/>
           <a:p>
-            <a:pPr indent="0" marL="0">
+            <a:pPr algn="l" indent="0" marL="0">
               <a:buNone/>
             </a:pPr>
             <a:r>
-              <a:rPr lang="en-US" sz="2400" dirty="0">
+              <a:rPr lang="en-US" sz="3200" dirty="0">
                 <a:solidFill>
                   <a:srgbClr val="333333"/>
                 </a:solidFill>
@@ -1088,7 +1088,7 @@
               </a:rPr>
               <a:t>Test Slide 1</a:t>
             </a:r>
-            <a:endParaRPr lang="en-US" sz="2400" dirty="0"/>
+            <a:endParaRPr lang="en-US" sz="3200" dirty="0"/>
           </a:p>
         </p:txBody>
       </p:sp>
@@ -1100,8 +1100,8 @@
         </p:nvSpPr>
         <p:spPr>
           <a:xfrm>
-            <a:off x="91440" y="91440"/>
-            <a:ext cx="6858000" cy="0"/>
+            <a:off x="457200" y="1371600"/>
+            <a:ext cx="8503920" cy="640080"/>
           </a:xfrm>
           <a:prstGeom prst="rect">
             <a:avLst/>
@@ -1117,46 +1117,7 @@
               <a:buNone/>
             </a:pPr>
             <a:r>
-              <a:rPr lang="en-US" sz="1800" dirty="0">
-                <a:solidFill>
-                  <a:srgbClr val="333333"/>
-                </a:solidFill>
-                <a:latin typeface="Arial, sans-serif" pitchFamily="34" charset="0"/>
-                <a:ea typeface="Arial, sans-serif" pitchFamily="34" charset="-122"/>
-                <a:cs typeface="Arial, sans-serif" pitchFamily="34" charset="-120"/>
-              </a:rPr>
-              <a:t>Line 1</a:t>
-            </a:r>
-            <a:endParaRPr lang="en-US" sz="1800" dirty="0"/>
-          </a:p>
-        </p:txBody>
-      </p:sp>
-      <p:sp>
-        <p:nvSpPr>
-          <p:cNvPr id="4" name="Text 2"/>
-          <p:cNvSpPr/>
-          <p:nvPr/>
-        </p:nvSpPr>
-        <p:spPr>
-          <a:xfrm>
-            <a:off x="91440" y="201168"/>
-            <a:ext cx="6858000" cy="0"/>
-          </a:xfrm>
-          <a:prstGeom prst="rect">
-            <a:avLst/>
-          </a:prstGeom>
-          <a:noFill/>
-          <a:ln/>
-        </p:spPr>
-        <p:txBody>
-          <a:bodyPr wrap="square" rtlCol="0" anchor="ctr"/>
-          <a:lstStyle/>
-          <a:p>
-            <a:pPr indent="0" marL="0">
-              <a:buNone/>
-            </a:pPr>
-            <a:r>
-              <a:rPr lang="en-US" sz="1800" dirty="0">
+              <a:rPr lang="en-US" sz="1400" dirty="0">
                 <a:solidFill>
                   <a:srgbClr val="333333"/>
                 </a:solidFill>
@@ -1166,20 +1127,20 @@
               </a:rPr>
               <a:t>Lorem ipsum dolor sit amet, consectetur adipiscing elit. Pellentesque urna magna, consequat in velit id.</a:t>
             </a:r>
-            <a:endParaRPr lang="en-US" sz="1800" dirty="0"/>
-          </a:p>
-        </p:txBody>
-      </p:sp>
-      <p:sp>
-        <p:nvSpPr>
-          <p:cNvPr id="5" name="Text 3"/>
+            <a:endParaRPr lang="en-US" sz="1400" dirty="0"/>
+          </a:p>
+        </p:txBody>
+      </p:sp>
+      <p:sp>
+        <p:nvSpPr>
+          <p:cNvPr id="4" name="Text 2"/>
           <p:cNvSpPr/>
           <p:nvPr/>
         </p:nvSpPr>
         <p:spPr>
           <a:xfrm>
-            <a:off x="91440" y="310896"/>
-            <a:ext cx="6858000" cy="0"/>
+            <a:off x="457200" y="2011680"/>
+            <a:ext cx="8503920" cy="640080"/>
           </a:xfrm>
           <a:prstGeom prst="rect">
             <a:avLst/>
@@ -1195,7 +1156,7 @@
               <a:buNone/>
             </a:pPr>
             <a:r>
-              <a:rPr lang="en-US" sz="1800" dirty="0">
+              <a:rPr lang="en-US" sz="1400" dirty="0">
                 <a:solidFill>
                   <a:srgbClr val="333333"/>
                 </a:solidFill>
@@ -1203,22 +1164,22 @@
                 <a:ea typeface="Arial, sans-serif" pitchFamily="34" charset="-122"/>
                 <a:cs typeface="Arial, sans-serif" pitchFamily="34" charset="-120"/>
               </a:rPr>
-              <a:t>Line 2</a:t>
-            </a:r>
-            <a:endParaRPr lang="en-US" sz="1800" dirty="0"/>
-          </a:p>
-        </p:txBody>
-      </p:sp>
-      <p:sp>
-        <p:nvSpPr>
-          <p:cNvPr id="6" name="Text 4"/>
+              <a:t>Lorem ipsum dolor sit amet, consectetur adipiscing elit. Maecenas tristique risus odio, a venenatis quam elementum et. Nulla facilisi. Quisque feugiat tortor ipsum, eget vestibulum lectus faucibus at. Suspendisse sed.</a:t>
+            </a:r>
+            <a:endParaRPr lang="en-US" sz="1400" dirty="0"/>
+          </a:p>
+        </p:txBody>
+      </p:sp>
+      <p:sp>
+        <p:nvSpPr>
+          <p:cNvPr id="5" name="Text 3"/>
           <p:cNvSpPr/>
           <p:nvPr/>
         </p:nvSpPr>
         <p:spPr>
           <a:xfrm>
-            <a:off x="91440" y="420624"/>
-            <a:ext cx="6858000" cy="0"/>
+            <a:off x="457200" y="2651760"/>
+            <a:ext cx="8503920" cy="640080"/>
           </a:xfrm>
           <a:prstGeom prst="rect">
             <a:avLst/>
@@ -1234,7 +1195,7 @@
               <a:buNone/>
             </a:pPr>
             <a:r>
-              <a:rPr lang="en-US" sz="1800" dirty="0">
+              <a:rPr lang="en-US" sz="1400" dirty="0">
                 <a:solidFill>
                   <a:srgbClr val="333333"/>
                 </a:solidFill>
@@ -1242,22 +1203,22 @@
                 <a:ea typeface="Arial, sans-serif" pitchFamily="34" charset="-122"/>
                 <a:cs typeface="Arial, sans-serif" pitchFamily="34" charset="-120"/>
               </a:rPr>
-              <a:t>Line 2</a:t>
-            </a:r>
-            <a:endParaRPr lang="en-US" sz="1800" dirty="0"/>
-          </a:p>
-        </p:txBody>
-      </p:sp>
-      <p:sp>
-        <p:nvSpPr>
-          <p:cNvPr id="7" name="Text 5"/>
+              <a:t>Lorem ipsum dolor sit amet, consectetur adipiscing elit. Pellentesque urna magna, consequat in velit id.</a:t>
+            </a:r>
+            <a:endParaRPr lang="en-US" sz="1400" dirty="0"/>
+          </a:p>
+        </p:txBody>
+      </p:sp>
+      <p:sp>
+        <p:nvSpPr>
+          <p:cNvPr id="6" name="Text 4"/>
           <p:cNvSpPr/>
           <p:nvPr/>
         </p:nvSpPr>
         <p:spPr>
           <a:xfrm>
-            <a:off x="91440" y="530352"/>
-            <a:ext cx="6858000" cy="0"/>
+            <a:off x="457200" y="3291840"/>
+            <a:ext cx="8503920" cy="640080"/>
           </a:xfrm>
           <a:prstGeom prst="rect">
             <a:avLst/>
@@ -1273,7 +1234,7 @@
               <a:buNone/>
             </a:pPr>
             <a:r>
-              <a:rPr lang="en-US" sz="1800" dirty="0">
+              <a:rPr lang="en-US" sz="1400" dirty="0">
                 <a:solidFill>
                   <a:srgbClr val="333333"/>
                 </a:solidFill>
@@ -1281,9 +1242,48 @@
                 <a:ea typeface="Arial, sans-serif" pitchFamily="34" charset="-122"/>
                 <a:cs typeface="Arial, sans-serif" pitchFamily="34" charset="-120"/>
               </a:rPr>
-              <a:t>Line 2</a:t>
-            </a:r>
-            <a:endParaRPr lang="en-US" sz="1800" dirty="0"/>
+              <a:t>Lorem ipsum dolor sit amet, consectetur adipiscing elit. Vivamus quis nisl at lorem scelerisque pharetra. Mauris ligula ligula, rhoncus sit amet lacus.</a:t>
+            </a:r>
+            <a:endParaRPr lang="en-US" sz="1400" dirty="0"/>
+          </a:p>
+        </p:txBody>
+      </p:sp>
+      <p:sp>
+        <p:nvSpPr>
+          <p:cNvPr id="7" name="Text 5"/>
+          <p:cNvSpPr/>
+          <p:nvPr/>
+        </p:nvSpPr>
+        <p:spPr>
+          <a:xfrm>
+            <a:off x="457200" y="3931920"/>
+            <a:ext cx="8503920" cy="640080"/>
+          </a:xfrm>
+          <a:prstGeom prst="rect">
+            <a:avLst/>
+          </a:prstGeom>
+          <a:noFill/>
+          <a:ln/>
+        </p:spPr>
+        <p:txBody>
+          <a:bodyPr wrap="square" rtlCol="0" anchor="ctr"/>
+          <a:lstStyle/>
+          <a:p>
+            <a:pPr indent="0" marL="0">
+              <a:buNone/>
+            </a:pPr>
+            <a:r>
+              <a:rPr lang="en-US" sz="1400" dirty="0">
+                <a:solidFill>
+                  <a:srgbClr val="333333"/>
+                </a:solidFill>
+                <a:latin typeface="Arial, sans-serif" pitchFamily="34" charset="0"/>
+                <a:ea typeface="Arial, sans-serif" pitchFamily="34" charset="-122"/>
+                <a:cs typeface="Arial, sans-serif" pitchFamily="34" charset="-120"/>
+              </a:rPr>
+              <a:t>Lorem ipsum dolor sit amet, consectetur adipiscing elit. Pellentesque urna magna, consequat in velit id.</a:t>
+            </a:r>
+            <a:endParaRPr lang="en-US" sz="1400" dirty="0"/>
           </a:p>
         </p:txBody>
       </p:sp>
@@ -1327,8 +1327,8 @@
         </p:nvSpPr>
         <p:spPr>
           <a:xfrm>
-            <a:off x="4572000" y="914400"/>
-            <a:ext cx="6858000" cy="0"/>
+            <a:off x="457200" y="457200"/>
+            <a:ext cx="8229600" cy="914400"/>
           </a:xfrm>
           <a:prstGeom prst="rect">
             <a:avLst/>
@@ -1340,11 +1340,11 @@
           <a:bodyPr wrap="square" rtlCol="0" anchor="ctr"/>
           <a:lstStyle/>
           <a:p>
-            <a:pPr indent="0" marL="0">
+            <a:pPr algn="l" indent="0" marL="0">
               <a:buNone/>
             </a:pPr>
             <a:r>
-              <a:rPr lang="en-US" sz="2400" dirty="0">
+              <a:rPr lang="en-US" sz="3200" dirty="0">
                 <a:solidFill>
                   <a:srgbClr val="333333"/>
                 </a:solidFill>
@@ -1354,7 +1354,7 @@
               </a:rPr>
               <a:t>Test Slide 2</a:t>
             </a:r>
-            <a:endParaRPr lang="en-US" sz="2400" dirty="0"/>
+            <a:endParaRPr lang="en-US" sz="3200" dirty="0"/>
           </a:p>
         </p:txBody>
       </p:sp>
@@ -1366,8 +1366,8 @@
         </p:nvSpPr>
         <p:spPr>
           <a:xfrm>
-            <a:off x="274320" y="365760"/>
-            <a:ext cx="6858000" cy="0"/>
+            <a:off x="457200" y="1371600"/>
+            <a:ext cx="8503920" cy="3657600"/>
           </a:xfrm>
           <a:prstGeom prst="rect">
             <a:avLst/>
@@ -1383,7 +1383,7 @@
               <a:buNone/>
             </a:pPr>
             <a:r>
-              <a:rPr lang="en-US" sz="1800" dirty="0">
+              <a:rPr lang="en-US" sz="1400" dirty="0">
                 <a:solidFill>
                   <a:srgbClr val="333333"/>
                 </a:solidFill>
@@ -1391,9 +1391,9 @@
                 <a:ea typeface="Arial, sans-serif" pitchFamily="34" charset="-122"/>
                 <a:cs typeface="Arial, sans-serif" pitchFamily="34" charset="-120"/>
               </a:rPr>
-              <a:t>Lorem ipsum dolor sit amet, consectetur adipiscing elit. Pellentesque urna magna, consequat in velit id.</a:t>
-            </a:r>
-            <a:endParaRPr lang="en-US" sz="1800" dirty="0"/>
+              <a:t>Lorem ipsum dolor sit amet, consectetur adipiscing elit. Etiam tortor massa, bibendum eu ultrices et, accumsan at nibh. Ut nec neque lacinia, placerat ipsum a, malesuada orci. Curabitur sit amet feugiat urna. Phasellus facilisis mollis orci, a porttitor purus congue ac. Nulla ut mi nec felis tempor elementum. Fusce sagittis mattis fringilla. Suspendisse tempus, lectus eu efficitur congue, libero diam luctus quam, ut convallis elit ex nec turpis. Pellentesque eget.</a:t>
+            </a:r>
+            <a:endParaRPr lang="en-US" sz="1400" dirty="0"/>
           </a:p>
         </p:txBody>
       </p:sp>
@@ -1437,8 +1437,8 @@
         </p:nvSpPr>
         <p:spPr>
           <a:xfrm>
-            <a:off x="4572000" y="914400"/>
-            <a:ext cx="6858000" cy="0"/>
+            <a:off x="457200" y="457200"/>
+            <a:ext cx="8229600" cy="914400"/>
           </a:xfrm>
           <a:prstGeom prst="rect">
             <a:avLst/>
@@ -1450,11 +1450,11 @@
           <a:bodyPr wrap="square" rtlCol="0" anchor="ctr"/>
           <a:lstStyle/>
           <a:p>
-            <a:pPr indent="0" marL="0">
+            <a:pPr algn="l" indent="0" marL="0">
               <a:buNone/>
             </a:pPr>
             <a:r>
-              <a:rPr lang="en-US" sz="2400" dirty="0">
+              <a:rPr lang="en-US" sz="3200" dirty="0">
                 <a:solidFill>
                   <a:srgbClr val="333333"/>
                 </a:solidFill>
@@ -1464,7 +1464,7 @@
               </a:rPr>
               <a:t>Test Slide 3</a:t>
             </a:r>
-            <a:endParaRPr lang="en-US" sz="2400" dirty="0"/>
+            <a:endParaRPr lang="en-US" sz="3200" dirty="0"/>
           </a:p>
         </p:txBody>
       </p:sp>
@@ -1476,8 +1476,8 @@
         </p:nvSpPr>
         <p:spPr>
           <a:xfrm>
-            <a:off x="91440" y="137160"/>
-            <a:ext cx="6858000" cy="0"/>
+            <a:off x="457200" y="1371600"/>
+            <a:ext cx="8503920" cy="640080"/>
           </a:xfrm>
           <a:prstGeom prst="rect">
             <a:avLst/>
@@ -1493,7 +1493,7 @@
               <a:buNone/>
             </a:pPr>
             <a:r>
-              <a:rPr lang="en-US" sz="1800" dirty="0">
+              <a:rPr lang="en-US" sz="1400" dirty="0">
                 <a:solidFill>
                   <a:srgbClr val="333333"/>
                 </a:solidFill>
@@ -1503,7 +1503,7 @@
               </a:rPr>
               <a:t>Lorem ipsum dolor sit amet, consectetur adipiscing elit. Pellentesque urna magna, consequat in velit id.</a:t>
             </a:r>
-            <a:endParaRPr lang="en-US" sz="1800" dirty="0"/>
+            <a:endParaRPr lang="en-US" sz="1400" dirty="0"/>
           </a:p>
         </p:txBody>
       </p:sp>
@@ -1515,8 +1515,8 @@
         </p:nvSpPr>
         <p:spPr>
           <a:xfrm>
-            <a:off x="91440" y="320040"/>
-            <a:ext cx="6858000" cy="0"/>
+            <a:off x="457200" y="2011680"/>
+            <a:ext cx="8503920" cy="640080"/>
           </a:xfrm>
           <a:prstGeom prst="rect">
             <a:avLst/>
@@ -1532,7 +1532,7 @@
               <a:buNone/>
             </a:pPr>
             <a:r>
-              <a:rPr lang="en-US" sz="1800" dirty="0">
+              <a:rPr lang="en-US" sz="1400" dirty="0">
                 <a:solidFill>
                   <a:srgbClr val="333333"/>
                 </a:solidFill>
@@ -1542,7 +1542,7 @@
               </a:rPr>
               <a:t>Line 2</a:t>
             </a:r>
-            <a:endParaRPr lang="en-US" sz="1800" dirty="0"/>
+            <a:endParaRPr lang="en-US" sz="1400" dirty="0"/>
           </a:p>
         </p:txBody>
       </p:sp>
@@ -1554,8 +1554,8 @@
         </p:nvSpPr>
         <p:spPr>
           <a:xfrm>
-            <a:off x="91440" y="502920"/>
-            <a:ext cx="6858000" cy="0"/>
+            <a:off x="457200" y="2651760"/>
+            <a:ext cx="8503920" cy="640080"/>
           </a:xfrm>
           <a:prstGeom prst="rect">
             <a:avLst/>
@@ -1571,7 +1571,7 @@
               <a:buNone/>
             </a:pPr>
             <a:r>
-              <a:rPr lang="en-US" sz="1800" dirty="0">
+              <a:rPr lang="en-US" sz="1400" dirty="0">
                 <a:solidFill>
                   <a:srgbClr val="333333"/>
                 </a:solidFill>
@@ -1581,7 +1581,46 @@
               </a:rPr>
               <a:t>Lorem ipsum dolor sit amet, consectetur adipiscing elit. Pellentesque urna magna, consequat in velit id.</a:t>
             </a:r>
-            <a:endParaRPr lang="en-US" sz="1800" dirty="0"/>
+            <a:endParaRPr lang="en-US" sz="1400" dirty="0"/>
+          </a:p>
+        </p:txBody>
+      </p:sp>
+      <p:sp>
+        <p:nvSpPr>
+          <p:cNvPr id="6" name="Text 4"/>
+          <p:cNvSpPr/>
+          <p:nvPr/>
+        </p:nvSpPr>
+        <p:spPr>
+          <a:xfrm>
+            <a:off x="457200" y="3291840"/>
+            <a:ext cx="8503920" cy="640080"/>
+          </a:xfrm>
+          <a:prstGeom prst="rect">
+            <a:avLst/>
+          </a:prstGeom>
+          <a:noFill/>
+          <a:ln/>
+        </p:spPr>
+        <p:txBody>
+          <a:bodyPr wrap="square" rtlCol="0" anchor="ctr"/>
+          <a:lstStyle/>
+          <a:p>
+            <a:pPr indent="0" marL="0">
+              <a:buNone/>
+            </a:pPr>
+            <a:r>
+              <a:rPr lang="en-US" sz="1400" dirty="0">
+                <a:solidFill>
+                  <a:srgbClr val="333333"/>
+                </a:solidFill>
+                <a:latin typeface="Arial, sans-serif" pitchFamily="34" charset="0"/>
+                <a:ea typeface="Arial, sans-serif" pitchFamily="34" charset="-122"/>
+                <a:cs typeface="Arial, sans-serif" pitchFamily="34" charset="-120"/>
+              </a:rPr>
+              <a:t>Lorem ipsum dolor sit amet, consectetur adipiscing elit. Pellentesque urna magna, consequat in velit id. Pellentesque urna magna, consequat in velit id.</a:t>
+            </a:r>
+            <a:endParaRPr lang="en-US" sz="1400" dirty="0"/>
           </a:p>
         </p:txBody>
       </p:sp>

--- a/pdfService/uploads/pptx/test.pptx
+++ b/pdfService/uploads/pptx/test.pptx
@@ -6,11 +6,9 @@
   </p:sldMasterIdLst>
   <p:sldIdLst>
     <p:sldId id="256" r:id="rId2"/>
-    <p:sldId id="257" r:id="rId3"/>
-    <p:sldId id="258" r:id="rId4"/>
   </p:sldIdLst>
   <p:notesMasterIdLst>
-    <p:notesMasterId r:id="rId5"/>
+    <p:notesMasterId r:id="rId3"/>
   </p:notesMasterIdLst>
   <p:sldSz cx="9144000" cy="5143500"/>
   <p:notesSz cx="5143500" cy="9144000"/>
@@ -528,182 +526,6 @@
             <a:fld id="{F7021451-1387-4CA6-816F-3879F97B5CBC}" type="slidenum">
               <a:rPr lang="en-US"/>
               <a:t>1</a:t>
-            </a:fld>
-            <a:endParaRPr lang="en-US"/>
-          </a:p>
-        </p:txBody>
-      </p:sp>
-    </p:spTree>
-    <p:extLst>
-      <p:ext uri="{BB962C8B-B14F-4D97-AF65-F5344CB8AC3E}">
-        <p14:creationId xmlns:p14="http://schemas.microsoft.com/office/powerpoint/2010/main" val="1024086991"/>
-      </p:ext>
-    </p:extLst>
-  </p:cSld>
-  <p:clrMapOvr>
-    <a:masterClrMapping/>
-  </p:clrMapOvr>
-</p:notes>
-</file>
-
-<file path=ppt/notesSlides/notesSlide2.xml><?xml version="1.0" encoding="utf-8"?>
-<p:notes xmlns:a="http://schemas.openxmlformats.org/drawingml/2006/main" xmlns:r="http://schemas.openxmlformats.org/officeDocument/2006/relationships" xmlns:p="http://schemas.openxmlformats.org/presentationml/2006/main">
-  <p:cSld>
-    <p:spTree>
-      <p:nvGrpSpPr>
-        <p:cNvPr id="1" name=""/>
-        <p:cNvGrpSpPr/>
-        <p:nvPr/>
-      </p:nvGrpSpPr>
-      <p:grpSpPr>
-        <a:xfrm>
-          <a:off x="0" y="0"/>
-          <a:ext cx="0" cy="0"/>
-          <a:chOff x="0" y="0"/>
-          <a:chExt cx="0" cy="0"/>
-        </a:xfrm>
-      </p:grpSpPr>
-      <p:sp>
-        <p:nvSpPr>
-          <p:cNvPr id="2" name="Slide Image Placeholder 1"/>
-          <p:cNvSpPr>
-            <a:spLocks noGrp="1" noRot="1" noChangeAspect="1"/>
-          </p:cNvSpPr>
-          <p:nvPr>
-            <p:ph type="sldImg"/>
-          </p:nvPr>
-        </p:nvSpPr>
-        <p:spPr/>
-      </p:sp>
-      <p:sp>
-        <p:nvSpPr>
-          <p:cNvPr id="3" name="Notes Placeholder 2"/>
-          <p:cNvSpPr>
-            <a:spLocks noGrp="1"/>
-          </p:cNvSpPr>
-          <p:nvPr>
-            <p:ph type="body" idx="1"/>
-          </p:nvPr>
-        </p:nvSpPr>
-        <p:spPr/>
-        <p:txBody>
-          <a:bodyPr/>
-          <a:lstStyle/>
-          <a:p>
-            <a:r>
-              <a:rPr lang="en-US" dirty="0"/>
-              <a:t/>
-            </a:r>
-            <a:endParaRPr lang="en-US" dirty="0"/>
-          </a:p>
-        </p:txBody>
-      </p:sp>
-      <p:sp>
-        <p:nvSpPr>
-          <p:cNvPr id="4" name="Slide Number Placeholder 3"/>
-          <p:cNvSpPr>
-            <a:spLocks noGrp="1"/>
-          </p:cNvSpPr>
-          <p:nvPr>
-            <p:ph type="sldNum" sz="quarter" idx="10"/>
-          </p:nvPr>
-        </p:nvSpPr>
-        <p:spPr/>
-        <p:txBody>
-          <a:bodyPr/>
-          <a:lstStyle/>
-          <a:p>
-            <a:fld id="{F7021451-1387-4CA6-816F-3879F97B5CBC}" type="slidenum">
-              <a:rPr lang="en-US"/>
-              <a:t>2</a:t>
-            </a:fld>
-            <a:endParaRPr lang="en-US"/>
-          </a:p>
-        </p:txBody>
-      </p:sp>
-    </p:spTree>
-    <p:extLst>
-      <p:ext uri="{BB962C8B-B14F-4D97-AF65-F5344CB8AC3E}">
-        <p14:creationId xmlns:p14="http://schemas.microsoft.com/office/powerpoint/2010/main" val="1024086991"/>
-      </p:ext>
-    </p:extLst>
-  </p:cSld>
-  <p:clrMapOvr>
-    <a:masterClrMapping/>
-  </p:clrMapOvr>
-</p:notes>
-</file>
-
-<file path=ppt/notesSlides/notesSlide3.xml><?xml version="1.0" encoding="utf-8"?>
-<p:notes xmlns:a="http://schemas.openxmlformats.org/drawingml/2006/main" xmlns:r="http://schemas.openxmlformats.org/officeDocument/2006/relationships" xmlns:p="http://schemas.openxmlformats.org/presentationml/2006/main">
-  <p:cSld>
-    <p:spTree>
-      <p:nvGrpSpPr>
-        <p:cNvPr id="1" name=""/>
-        <p:cNvGrpSpPr/>
-        <p:nvPr/>
-      </p:nvGrpSpPr>
-      <p:grpSpPr>
-        <a:xfrm>
-          <a:off x="0" y="0"/>
-          <a:ext cx="0" cy="0"/>
-          <a:chOff x="0" y="0"/>
-          <a:chExt cx="0" cy="0"/>
-        </a:xfrm>
-      </p:grpSpPr>
-      <p:sp>
-        <p:nvSpPr>
-          <p:cNvPr id="2" name="Slide Image Placeholder 1"/>
-          <p:cNvSpPr>
-            <a:spLocks noGrp="1" noRot="1" noChangeAspect="1"/>
-          </p:cNvSpPr>
-          <p:nvPr>
-            <p:ph type="sldImg"/>
-          </p:nvPr>
-        </p:nvSpPr>
-        <p:spPr/>
-      </p:sp>
-      <p:sp>
-        <p:nvSpPr>
-          <p:cNvPr id="3" name="Notes Placeholder 2"/>
-          <p:cNvSpPr>
-            <a:spLocks noGrp="1"/>
-          </p:cNvSpPr>
-          <p:nvPr>
-            <p:ph type="body" idx="1"/>
-          </p:nvPr>
-        </p:nvSpPr>
-        <p:spPr/>
-        <p:txBody>
-          <a:bodyPr/>
-          <a:lstStyle/>
-          <a:p>
-            <a:r>
-              <a:rPr lang="en-US" dirty="0"/>
-              <a:t/>
-            </a:r>
-            <a:endParaRPr lang="en-US" dirty="0"/>
-          </a:p>
-        </p:txBody>
-      </p:sp>
-      <p:sp>
-        <p:nvSpPr>
-          <p:cNvPr id="4" name="Slide Number Placeholder 3"/>
-          <p:cNvSpPr>
-            <a:spLocks noGrp="1"/>
-          </p:cNvSpPr>
-          <p:nvPr>
-            <p:ph type="sldNum" sz="quarter" idx="10"/>
-          </p:nvPr>
-        </p:nvSpPr>
-        <p:spPr/>
-        <p:txBody>
-          <a:bodyPr/>
-          <a:lstStyle/>
-          <a:p>
-            <a:fld id="{F7021451-1387-4CA6-816F-3879F97B5CBC}" type="slidenum">
-              <a:rPr lang="en-US"/>
-              <a:t>3</a:t>
             </a:fld>
             <a:endParaRPr lang="en-US"/>
           </a:p>
@@ -1035,7 +857,7 @@
     <p:bg>
       <p:bgPr>
         <a:solidFill>
-          <a:srgbClr val="FFFFFF"/>
+          <a:srgbClr val="444444"/>
         </a:solidFill>
       </p:bgPr>
     </p:bg>
@@ -1061,7 +883,7 @@
         </p:nvSpPr>
         <p:spPr>
           <a:xfrm>
-            <a:off x="457200" y="457200"/>
+            <a:off x="457200" y="274320"/>
             <a:ext cx="8229600" cy="914400"/>
           </a:xfrm>
           <a:prstGeom prst="rect">
@@ -1080,21 +902,60 @@
             <a:r>
               <a:rPr lang="en-US" sz="3200" dirty="0">
                 <a:solidFill>
-                  <a:srgbClr val="333333"/>
+                  <a:srgbClr val="FFFFFF"/>
                 </a:solidFill>
-                <a:latin typeface="Arial, sans-serif" pitchFamily="34" charset="0"/>
-                <a:ea typeface="Arial, sans-serif" pitchFamily="34" charset="-122"/>
-                <a:cs typeface="Arial, sans-serif" pitchFamily="34" charset="-120"/>
+                <a:latin typeface="Lato, sans-serif" pitchFamily="34" charset="0"/>
+                <a:ea typeface="Lato, sans-serif" pitchFamily="34" charset="-122"/>
+                <a:cs typeface="Lato, sans-serif" pitchFamily="34" charset="-120"/>
+              </a:rPr>
+              <a:t>Bullet Points</a:t>
+            </a:r>
+            <a:endParaRPr lang="en-US" sz="3200" dirty="0"/>
+          </a:p>
+        </p:txBody>
+      </p:sp>
+      <p:sp>
+        <p:nvSpPr>
+          <p:cNvPr id="3" name="Text 1"/>
+          <p:cNvSpPr/>
+          <p:nvPr/>
+        </p:nvSpPr>
+        <p:spPr>
+          <a:xfrm>
+            <a:off x="7315200" y="4572000"/>
+            <a:ext cx="3657600" cy="457200"/>
+          </a:xfrm>
+          <a:prstGeom prst="rect">
+            <a:avLst/>
+          </a:prstGeom>
+          <a:noFill/>
+          <a:ln/>
+        </p:spPr>
+        <p:txBody>
+          <a:bodyPr wrap="square" rtlCol="0" anchor="ctr"/>
+          <a:lstStyle/>
+          <a:p>
+            <a:pPr algn="l" indent="0" marL="0">
+              <a:buNone/>
+            </a:pPr>
+            <a:r>
+              <a:rPr lang="en-US" sz="2000" dirty="0">
+                <a:solidFill>
+                  <a:srgbClr val="CCCCCC"/>
+                </a:solidFill>
+                <a:latin typeface="Lato, sans-serif" pitchFamily="34" charset="0"/>
+                <a:ea typeface="Lato, sans-serif" pitchFamily="34" charset="-122"/>
+                <a:cs typeface="Lato, sans-serif" pitchFamily="34" charset="-120"/>
               </a:rPr>
               <a:t>Test Slide 1</a:t>
             </a:r>
-            <a:endParaRPr lang="en-US" sz="3200" dirty="0"/>
+            <a:endParaRPr lang="en-US" sz="2000" dirty="0"/>
           </a:p>
         </p:txBody>
       </p:sp>
       <p:sp>
         <p:nvSpPr>
-          <p:cNvPr id="3" name="Text 1"/>
+          <p:cNvPr id="4" name="Text 2"/>
           <p:cNvSpPr/>
           <p:nvPr/>
         </p:nvSpPr>
@@ -1110,22 +971,23 @@
           <a:ln/>
         </p:spPr>
         <p:txBody>
-          <a:bodyPr wrap="square" rtlCol="0" anchor="ctr"/>
+          <a:bodyPr wrap="square" rtlCol="0" anchor="t"/>
           <a:lstStyle/>
           <a:p>
-            <a:pPr indent="0" marL="0">
-              <a:buNone/>
+            <a:pPr algn="l" marL="342900" indent="-342900">
+              <a:buSzPct val="100000"/>
+              <a:buChar char="•"/>
             </a:pPr>
             <a:r>
               <a:rPr lang="en-US" sz="1400" dirty="0">
                 <a:solidFill>
-                  <a:srgbClr val="333333"/>
+                  <a:srgbClr val="AAAAAA"/>
                 </a:solidFill>
-                <a:latin typeface="Arial, sans-serif" pitchFamily="34" charset="0"/>
-                <a:ea typeface="Arial, sans-serif" pitchFamily="34" charset="-122"/>
-                <a:cs typeface="Arial, sans-serif" pitchFamily="34" charset="-120"/>
+                <a:latin typeface="Lato, sans-serif" pitchFamily="34" charset="0"/>
+                <a:ea typeface="Lato, sans-serif" pitchFamily="34" charset="-122"/>
+                <a:cs typeface="Lato, sans-serif" pitchFamily="34" charset="-120"/>
               </a:rPr>
-              <a:t>Lorem ipsum dolor sit amet, consectetur adipiscing elit. Pellentesque urna magna, consequat in velit id.</a:t>
+              <a:t>Lorem ipsum dolor sit amet, consectetur adipiscing elit.</a:t>
             </a:r>
             <a:endParaRPr lang="en-US" sz="1400" dirty="0"/>
           </a:p>
@@ -1133,7 +995,7 @@
       </p:sp>
       <p:sp>
         <p:nvSpPr>
-          <p:cNvPr id="4" name="Text 2"/>
+          <p:cNvPr id="5" name="Text 3"/>
           <p:cNvSpPr/>
           <p:nvPr/>
         </p:nvSpPr>
@@ -1149,22 +1011,23 @@
           <a:ln/>
         </p:spPr>
         <p:txBody>
-          <a:bodyPr wrap="square" rtlCol="0" anchor="ctr"/>
+          <a:bodyPr wrap="square" rtlCol="0" anchor="t"/>
           <a:lstStyle/>
           <a:p>
-            <a:pPr indent="0" marL="0">
-              <a:buNone/>
+            <a:pPr algn="l" marL="342900" indent="-342900">
+              <a:buSzPct val="100000"/>
+              <a:buChar char="•"/>
             </a:pPr>
             <a:r>
               <a:rPr lang="en-US" sz="1400" dirty="0">
                 <a:solidFill>
-                  <a:srgbClr val="333333"/>
+                  <a:srgbClr val="AAAAAA"/>
                 </a:solidFill>
-                <a:latin typeface="Arial, sans-serif" pitchFamily="34" charset="0"/>
-                <a:ea typeface="Arial, sans-serif" pitchFamily="34" charset="-122"/>
-                <a:cs typeface="Arial, sans-serif" pitchFamily="34" charset="-120"/>
+                <a:latin typeface="Lato, sans-serif" pitchFamily="34" charset="0"/>
+                <a:ea typeface="Lato, sans-serif" pitchFamily="34" charset="-122"/>
+                <a:cs typeface="Lato, sans-serif" pitchFamily="34" charset="-120"/>
               </a:rPr>
-              <a:t>Lorem ipsum dolor sit amet, consectetur adipiscing elit. Maecenas tristique risus odio, a venenatis quam elementum et. Nulla facilisi. Quisque feugiat tortor ipsum, eget vestibulum lectus faucibus at. Suspendisse sed.</a:t>
+              <a:t>Lorem ipsum dolor sit amet, consectetur adipiscing elit.</a:t>
             </a:r>
             <a:endParaRPr lang="en-US" sz="1400" dirty="0"/>
           </a:p>
@@ -1172,7 +1035,7 @@
       </p:sp>
       <p:sp>
         <p:nvSpPr>
-          <p:cNvPr id="5" name="Text 3"/>
+          <p:cNvPr id="6" name="Text 4"/>
           <p:cNvSpPr/>
           <p:nvPr/>
         </p:nvSpPr>
@@ -1188,22 +1051,23 @@
           <a:ln/>
         </p:spPr>
         <p:txBody>
-          <a:bodyPr wrap="square" rtlCol="0" anchor="ctr"/>
+          <a:bodyPr wrap="square" rtlCol="0" anchor="t"/>
           <a:lstStyle/>
           <a:p>
-            <a:pPr indent="0" marL="0">
-              <a:buNone/>
+            <a:pPr algn="l" marL="342900" indent="-342900">
+              <a:buSzPct val="100000"/>
+              <a:buChar char="•"/>
             </a:pPr>
             <a:r>
               <a:rPr lang="en-US" sz="1400" dirty="0">
                 <a:solidFill>
-                  <a:srgbClr val="333333"/>
+                  <a:srgbClr val="AAAAAA"/>
                 </a:solidFill>
-                <a:latin typeface="Arial, sans-serif" pitchFamily="34" charset="0"/>
-                <a:ea typeface="Arial, sans-serif" pitchFamily="34" charset="-122"/>
-                <a:cs typeface="Arial, sans-serif" pitchFamily="34" charset="-120"/>
+                <a:latin typeface="Lato, sans-serif" pitchFamily="34" charset="0"/>
+                <a:ea typeface="Lato, sans-serif" pitchFamily="34" charset="-122"/>
+                <a:cs typeface="Lato, sans-serif" pitchFamily="34" charset="-120"/>
               </a:rPr>
-              <a:t>Lorem ipsum dolor sit amet, consectetur adipiscing elit. Pellentesque urna magna, consequat in velit id.</a:t>
+              <a:t>Lorem ipsum dolor sit amet, consectetur adipiscing elit.</a:t>
             </a:r>
             <a:endParaRPr lang="en-US" sz="1400" dirty="0"/>
           </a:p>
@@ -1211,7 +1075,7 @@
       </p:sp>
       <p:sp>
         <p:nvSpPr>
-          <p:cNvPr id="6" name="Text 4"/>
+          <p:cNvPr id="7" name="Text 5"/>
           <p:cNvSpPr/>
           <p:nvPr/>
         </p:nvSpPr>
@@ -1227,22 +1091,23 @@
           <a:ln/>
         </p:spPr>
         <p:txBody>
-          <a:bodyPr wrap="square" rtlCol="0" anchor="ctr"/>
+          <a:bodyPr wrap="square" rtlCol="0" anchor="t"/>
           <a:lstStyle/>
           <a:p>
-            <a:pPr indent="0" marL="0">
-              <a:buNone/>
+            <a:pPr algn="l" marL="342900" indent="-342900">
+              <a:buSzPct val="100000"/>
+              <a:buChar char="•"/>
             </a:pPr>
             <a:r>
               <a:rPr lang="en-US" sz="1400" dirty="0">
                 <a:solidFill>
-                  <a:srgbClr val="333333"/>
+                  <a:srgbClr val="AAAAAA"/>
                 </a:solidFill>
-                <a:latin typeface="Arial, sans-serif" pitchFamily="34" charset="0"/>
-                <a:ea typeface="Arial, sans-serif" pitchFamily="34" charset="-122"/>
-                <a:cs typeface="Arial, sans-serif" pitchFamily="34" charset="-120"/>
+                <a:latin typeface="Lato, sans-serif" pitchFamily="34" charset="0"/>
+                <a:ea typeface="Lato, sans-serif" pitchFamily="34" charset="-122"/>
+                <a:cs typeface="Lato, sans-serif" pitchFamily="34" charset="-120"/>
               </a:rPr>
-              <a:t>Lorem ipsum dolor sit amet, consectetur adipiscing elit. Vivamus quis nisl at lorem scelerisque pharetra. Mauris ligula ligula, rhoncus sit amet lacus.</a:t>
+              <a:t>Lorem ipsum dolor sit amet, consectetur adipiscing elit.</a:t>
             </a:r>
             <a:endParaRPr lang="en-US" sz="1400" dirty="0"/>
           </a:p>
@@ -1250,7 +1115,7 @@
       </p:sp>
       <p:sp>
         <p:nvSpPr>
-          <p:cNvPr id="7" name="Text 5"/>
+          <p:cNvPr id="8" name="Text 6"/>
           <p:cNvSpPr/>
           <p:nvPr/>
         </p:nvSpPr>
@@ -1266,359 +1131,23 @@
           <a:ln/>
         </p:spPr>
         <p:txBody>
-          <a:bodyPr wrap="square" rtlCol="0" anchor="ctr"/>
+          <a:bodyPr wrap="square" rtlCol="0" anchor="t"/>
           <a:lstStyle/>
           <a:p>
-            <a:pPr indent="0" marL="0">
-              <a:buNone/>
+            <a:pPr algn="l" marL="342900" indent="-342900">
+              <a:buSzPct val="100000"/>
+              <a:buChar char="•"/>
             </a:pPr>
             <a:r>
               <a:rPr lang="en-US" sz="1400" dirty="0">
                 <a:solidFill>
-                  <a:srgbClr val="333333"/>
+                  <a:srgbClr val="AAAAAA"/>
                 </a:solidFill>
-                <a:latin typeface="Arial, sans-serif" pitchFamily="34" charset="0"/>
-                <a:ea typeface="Arial, sans-serif" pitchFamily="34" charset="-122"/>
-                <a:cs typeface="Arial, sans-serif" pitchFamily="34" charset="-120"/>
+                <a:latin typeface="Lato, sans-serif" pitchFamily="34" charset="0"/>
+                <a:ea typeface="Lato, sans-serif" pitchFamily="34" charset="-122"/>
+                <a:cs typeface="Lato, sans-serif" pitchFamily="34" charset="-120"/>
               </a:rPr>
-              <a:t>Lorem ipsum dolor sit amet, consectetur adipiscing elit. Pellentesque urna magna, consequat in velit id.</a:t>
-            </a:r>
-            <a:endParaRPr lang="en-US" sz="1400" dirty="0"/>
-          </a:p>
-        </p:txBody>
-      </p:sp>
-    </p:spTree>
-  </p:cSld>
-  <p:clrMapOvr>
-    <a:masterClrMapping/>
-  </p:clrMapOvr>
-</p:sld>
-</file>
-
-<file path=ppt/slides/slide2.xml><?xml version="1.0" encoding="utf-8"?>
-<p:sld xmlns:a="http://schemas.openxmlformats.org/drawingml/2006/main" xmlns:r="http://schemas.openxmlformats.org/officeDocument/2006/relationships" xmlns:p="http://schemas.openxmlformats.org/presentationml/2006/main">
-  <p:cSld name="Slide 2">
-    <p:bg>
-      <p:bgPr>
-        <a:solidFill>
-          <a:srgbClr val="FFFFFF"/>
-        </a:solidFill>
-      </p:bgPr>
-    </p:bg>
-    <p:spTree>
-      <p:nvGrpSpPr>
-        <p:cNvPr id="1" name=""/>
-        <p:cNvGrpSpPr/>
-        <p:nvPr/>
-      </p:nvGrpSpPr>
-      <p:grpSpPr>
-        <a:xfrm>
-          <a:off x="0" y="0"/>
-          <a:ext cx="0" cy="0"/>
-          <a:chOff x="0" y="0"/>
-          <a:chExt cx="0" cy="0"/>
-        </a:xfrm>
-      </p:grpSpPr>
-      <p:sp>
-        <p:nvSpPr>
-          <p:cNvPr id="2" name="Text 0"/>
-          <p:cNvSpPr/>
-          <p:nvPr/>
-        </p:nvSpPr>
-        <p:spPr>
-          <a:xfrm>
-            <a:off x="457200" y="457200"/>
-            <a:ext cx="8229600" cy="914400"/>
-          </a:xfrm>
-          <a:prstGeom prst="rect">
-            <a:avLst/>
-          </a:prstGeom>
-          <a:noFill/>
-          <a:ln/>
-        </p:spPr>
-        <p:txBody>
-          <a:bodyPr wrap="square" rtlCol="0" anchor="ctr"/>
-          <a:lstStyle/>
-          <a:p>
-            <a:pPr algn="l" indent="0" marL="0">
-              <a:buNone/>
-            </a:pPr>
-            <a:r>
-              <a:rPr lang="en-US" sz="3200" dirty="0">
-                <a:solidFill>
-                  <a:srgbClr val="333333"/>
-                </a:solidFill>
-                <a:latin typeface="Arial, sans-serif" pitchFamily="34" charset="0"/>
-                <a:ea typeface="Arial, sans-serif" pitchFamily="34" charset="-122"/>
-                <a:cs typeface="Arial, sans-serif" pitchFamily="34" charset="-120"/>
-              </a:rPr>
-              <a:t>Test Slide 2</a:t>
-            </a:r>
-            <a:endParaRPr lang="en-US" sz="3200" dirty="0"/>
-          </a:p>
-        </p:txBody>
-      </p:sp>
-      <p:sp>
-        <p:nvSpPr>
-          <p:cNvPr id="3" name="Text 1"/>
-          <p:cNvSpPr/>
-          <p:nvPr/>
-        </p:nvSpPr>
-        <p:spPr>
-          <a:xfrm>
-            <a:off x="457200" y="1371600"/>
-            <a:ext cx="8503920" cy="3657600"/>
-          </a:xfrm>
-          <a:prstGeom prst="rect">
-            <a:avLst/>
-          </a:prstGeom>
-          <a:noFill/>
-          <a:ln/>
-        </p:spPr>
-        <p:txBody>
-          <a:bodyPr wrap="square" rtlCol="0" anchor="ctr"/>
-          <a:lstStyle/>
-          <a:p>
-            <a:pPr indent="0" marL="0">
-              <a:buNone/>
-            </a:pPr>
-            <a:r>
-              <a:rPr lang="en-US" sz="1400" dirty="0">
-                <a:solidFill>
-                  <a:srgbClr val="333333"/>
-                </a:solidFill>
-                <a:latin typeface="Arial, sans-serif" pitchFamily="34" charset="0"/>
-                <a:ea typeface="Arial, sans-serif" pitchFamily="34" charset="-122"/>
-                <a:cs typeface="Arial, sans-serif" pitchFamily="34" charset="-120"/>
-              </a:rPr>
-              <a:t>Lorem ipsum dolor sit amet, consectetur adipiscing elit. Etiam tortor massa, bibendum eu ultrices et, accumsan at nibh. Ut nec neque lacinia, placerat ipsum a, malesuada orci. Curabitur sit amet feugiat urna. Phasellus facilisis mollis orci, a porttitor purus congue ac. Nulla ut mi nec felis tempor elementum. Fusce sagittis mattis fringilla. Suspendisse tempus, lectus eu efficitur congue, libero diam luctus quam, ut convallis elit ex nec turpis. Pellentesque eget.</a:t>
-            </a:r>
-            <a:endParaRPr lang="en-US" sz="1400" dirty="0"/>
-          </a:p>
-        </p:txBody>
-      </p:sp>
-    </p:spTree>
-  </p:cSld>
-  <p:clrMapOvr>
-    <a:masterClrMapping/>
-  </p:clrMapOvr>
-</p:sld>
-</file>
-
-<file path=ppt/slides/slide3.xml><?xml version="1.0" encoding="utf-8"?>
-<p:sld xmlns:a="http://schemas.openxmlformats.org/drawingml/2006/main" xmlns:r="http://schemas.openxmlformats.org/officeDocument/2006/relationships" xmlns:p="http://schemas.openxmlformats.org/presentationml/2006/main">
-  <p:cSld name="Slide 3">
-    <p:bg>
-      <p:bgPr>
-        <a:solidFill>
-          <a:srgbClr val="FFFFFF"/>
-        </a:solidFill>
-      </p:bgPr>
-    </p:bg>
-    <p:spTree>
-      <p:nvGrpSpPr>
-        <p:cNvPr id="1" name=""/>
-        <p:cNvGrpSpPr/>
-        <p:nvPr/>
-      </p:nvGrpSpPr>
-      <p:grpSpPr>
-        <a:xfrm>
-          <a:off x="0" y="0"/>
-          <a:ext cx="0" cy="0"/>
-          <a:chOff x="0" y="0"/>
-          <a:chExt cx="0" cy="0"/>
-        </a:xfrm>
-      </p:grpSpPr>
-      <p:sp>
-        <p:nvSpPr>
-          <p:cNvPr id="2" name="Text 0"/>
-          <p:cNvSpPr/>
-          <p:nvPr/>
-        </p:nvSpPr>
-        <p:spPr>
-          <a:xfrm>
-            <a:off x="457200" y="457200"/>
-            <a:ext cx="8229600" cy="914400"/>
-          </a:xfrm>
-          <a:prstGeom prst="rect">
-            <a:avLst/>
-          </a:prstGeom>
-          <a:noFill/>
-          <a:ln/>
-        </p:spPr>
-        <p:txBody>
-          <a:bodyPr wrap="square" rtlCol="0" anchor="ctr"/>
-          <a:lstStyle/>
-          <a:p>
-            <a:pPr algn="l" indent="0" marL="0">
-              <a:buNone/>
-            </a:pPr>
-            <a:r>
-              <a:rPr lang="en-US" sz="3200" dirty="0">
-                <a:solidFill>
-                  <a:srgbClr val="333333"/>
-                </a:solidFill>
-                <a:latin typeface="Arial, sans-serif" pitchFamily="34" charset="0"/>
-                <a:ea typeface="Arial, sans-serif" pitchFamily="34" charset="-122"/>
-                <a:cs typeface="Arial, sans-serif" pitchFamily="34" charset="-120"/>
-              </a:rPr>
-              <a:t>Test Slide 3</a:t>
-            </a:r>
-            <a:endParaRPr lang="en-US" sz="3200" dirty="0"/>
-          </a:p>
-        </p:txBody>
-      </p:sp>
-      <p:sp>
-        <p:nvSpPr>
-          <p:cNvPr id="3" name="Text 1"/>
-          <p:cNvSpPr/>
-          <p:nvPr/>
-        </p:nvSpPr>
-        <p:spPr>
-          <a:xfrm>
-            <a:off x="457200" y="1371600"/>
-            <a:ext cx="8503920" cy="640080"/>
-          </a:xfrm>
-          <a:prstGeom prst="rect">
-            <a:avLst/>
-          </a:prstGeom>
-          <a:noFill/>
-          <a:ln/>
-        </p:spPr>
-        <p:txBody>
-          <a:bodyPr wrap="square" rtlCol="0" anchor="ctr"/>
-          <a:lstStyle/>
-          <a:p>
-            <a:pPr indent="0" marL="0">
-              <a:buNone/>
-            </a:pPr>
-            <a:r>
-              <a:rPr lang="en-US" sz="1400" dirty="0">
-                <a:solidFill>
-                  <a:srgbClr val="333333"/>
-                </a:solidFill>
-                <a:latin typeface="Arial, sans-serif" pitchFamily="34" charset="0"/>
-                <a:ea typeface="Arial, sans-serif" pitchFamily="34" charset="-122"/>
-                <a:cs typeface="Arial, sans-serif" pitchFamily="34" charset="-120"/>
-              </a:rPr>
-              <a:t>Lorem ipsum dolor sit amet, consectetur adipiscing elit. Pellentesque urna magna, consequat in velit id.</a:t>
-            </a:r>
-            <a:endParaRPr lang="en-US" sz="1400" dirty="0"/>
-          </a:p>
-        </p:txBody>
-      </p:sp>
-      <p:sp>
-        <p:nvSpPr>
-          <p:cNvPr id="4" name="Text 2"/>
-          <p:cNvSpPr/>
-          <p:nvPr/>
-        </p:nvSpPr>
-        <p:spPr>
-          <a:xfrm>
-            <a:off x="457200" y="2011680"/>
-            <a:ext cx="8503920" cy="640080"/>
-          </a:xfrm>
-          <a:prstGeom prst="rect">
-            <a:avLst/>
-          </a:prstGeom>
-          <a:noFill/>
-          <a:ln/>
-        </p:spPr>
-        <p:txBody>
-          <a:bodyPr wrap="square" rtlCol="0" anchor="ctr"/>
-          <a:lstStyle/>
-          <a:p>
-            <a:pPr indent="0" marL="0">
-              <a:buNone/>
-            </a:pPr>
-            <a:r>
-              <a:rPr lang="en-US" sz="1400" dirty="0">
-                <a:solidFill>
-                  <a:srgbClr val="333333"/>
-                </a:solidFill>
-                <a:latin typeface="Arial, sans-serif" pitchFamily="34" charset="0"/>
-                <a:ea typeface="Arial, sans-serif" pitchFamily="34" charset="-122"/>
-                <a:cs typeface="Arial, sans-serif" pitchFamily="34" charset="-120"/>
-              </a:rPr>
-              <a:t>Line 2</a:t>
-            </a:r>
-            <a:endParaRPr lang="en-US" sz="1400" dirty="0"/>
-          </a:p>
-        </p:txBody>
-      </p:sp>
-      <p:sp>
-        <p:nvSpPr>
-          <p:cNvPr id="5" name="Text 3"/>
-          <p:cNvSpPr/>
-          <p:nvPr/>
-        </p:nvSpPr>
-        <p:spPr>
-          <a:xfrm>
-            <a:off x="457200" y="2651760"/>
-            <a:ext cx="8503920" cy="640080"/>
-          </a:xfrm>
-          <a:prstGeom prst="rect">
-            <a:avLst/>
-          </a:prstGeom>
-          <a:noFill/>
-          <a:ln/>
-        </p:spPr>
-        <p:txBody>
-          <a:bodyPr wrap="square" rtlCol="0" anchor="ctr"/>
-          <a:lstStyle/>
-          <a:p>
-            <a:pPr indent="0" marL="0">
-              <a:buNone/>
-            </a:pPr>
-            <a:r>
-              <a:rPr lang="en-US" sz="1400" dirty="0">
-                <a:solidFill>
-                  <a:srgbClr val="333333"/>
-                </a:solidFill>
-                <a:latin typeface="Arial, sans-serif" pitchFamily="34" charset="0"/>
-                <a:ea typeface="Arial, sans-serif" pitchFamily="34" charset="-122"/>
-                <a:cs typeface="Arial, sans-serif" pitchFamily="34" charset="-120"/>
-              </a:rPr>
-              <a:t>Lorem ipsum dolor sit amet, consectetur adipiscing elit. Pellentesque urna magna, consequat in velit id.</a:t>
-            </a:r>
-            <a:endParaRPr lang="en-US" sz="1400" dirty="0"/>
-          </a:p>
-        </p:txBody>
-      </p:sp>
-      <p:sp>
-        <p:nvSpPr>
-          <p:cNvPr id="6" name="Text 4"/>
-          <p:cNvSpPr/>
-          <p:nvPr/>
-        </p:nvSpPr>
-        <p:spPr>
-          <a:xfrm>
-            <a:off x="457200" y="3291840"/>
-            <a:ext cx="8503920" cy="640080"/>
-          </a:xfrm>
-          <a:prstGeom prst="rect">
-            <a:avLst/>
-          </a:prstGeom>
-          <a:noFill/>
-          <a:ln/>
-        </p:spPr>
-        <p:txBody>
-          <a:bodyPr wrap="square" rtlCol="0" anchor="ctr"/>
-          <a:lstStyle/>
-          <a:p>
-            <a:pPr indent="0" marL="0">
-              <a:buNone/>
-            </a:pPr>
-            <a:r>
-              <a:rPr lang="en-US" sz="1400" dirty="0">
-                <a:solidFill>
-                  <a:srgbClr val="333333"/>
-                </a:solidFill>
-                <a:latin typeface="Arial, sans-serif" pitchFamily="34" charset="0"/>
-                <a:ea typeface="Arial, sans-serif" pitchFamily="34" charset="-122"/>
-                <a:cs typeface="Arial, sans-serif" pitchFamily="34" charset="-120"/>
-              </a:rPr>
-              <a:t>Lorem ipsum dolor sit amet, consectetur adipiscing elit. Pellentesque urna magna, consequat in velit id. Pellentesque urna magna, consequat in velit id.</a:t>
+              <a:t>Lorem ipsum dolor sit amet, consectetur adipiscing elit.</a:t>
             </a:r>
             <a:endParaRPr lang="en-US" sz="1400" dirty="0"/>
           </a:p>

--- a/pdfService/uploads/pptx/test.pptx
+++ b/pdfService/uploads/pptx/test.pptx
@@ -6,9 +6,14 @@
   </p:sldMasterIdLst>
   <p:sldIdLst>
     <p:sldId id="256" r:id="rId2"/>
+    <p:sldId id="257" r:id="rId3"/>
+    <p:sldId id="258" r:id="rId4"/>
+    <p:sldId id="259" r:id="rId5"/>
+    <p:sldId id="260" r:id="rId6"/>
+    <p:sldId id="261" r:id="rId7"/>
   </p:sldIdLst>
   <p:notesMasterIdLst>
-    <p:notesMasterId r:id="rId3"/>
+    <p:notesMasterId r:id="rId8"/>
   </p:notesMasterIdLst>
   <p:sldSz cx="9144000" cy="5143500"/>
   <p:notesSz cx="5143500" cy="9144000"/>
@@ -526,6 +531,446 @@
             <a:fld id="{F7021451-1387-4CA6-816F-3879F97B5CBC}" type="slidenum">
               <a:rPr lang="en-US"/>
               <a:t>1</a:t>
+            </a:fld>
+            <a:endParaRPr lang="en-US"/>
+          </a:p>
+        </p:txBody>
+      </p:sp>
+    </p:spTree>
+    <p:extLst>
+      <p:ext uri="{BB962C8B-B14F-4D97-AF65-F5344CB8AC3E}">
+        <p14:creationId xmlns:p14="http://schemas.microsoft.com/office/powerpoint/2010/main" val="1024086991"/>
+      </p:ext>
+    </p:extLst>
+  </p:cSld>
+  <p:clrMapOvr>
+    <a:masterClrMapping/>
+  </p:clrMapOvr>
+</p:notes>
+</file>
+
+<file path=ppt/notesSlides/notesSlide2.xml><?xml version="1.0" encoding="utf-8"?>
+<p:notes xmlns:a="http://schemas.openxmlformats.org/drawingml/2006/main" xmlns:r="http://schemas.openxmlformats.org/officeDocument/2006/relationships" xmlns:p="http://schemas.openxmlformats.org/presentationml/2006/main">
+  <p:cSld>
+    <p:spTree>
+      <p:nvGrpSpPr>
+        <p:cNvPr id="1" name=""/>
+        <p:cNvGrpSpPr/>
+        <p:nvPr/>
+      </p:nvGrpSpPr>
+      <p:grpSpPr>
+        <a:xfrm>
+          <a:off x="0" y="0"/>
+          <a:ext cx="0" cy="0"/>
+          <a:chOff x="0" y="0"/>
+          <a:chExt cx="0" cy="0"/>
+        </a:xfrm>
+      </p:grpSpPr>
+      <p:sp>
+        <p:nvSpPr>
+          <p:cNvPr id="2" name="Slide Image Placeholder 1"/>
+          <p:cNvSpPr>
+            <a:spLocks noGrp="1" noRot="1" noChangeAspect="1"/>
+          </p:cNvSpPr>
+          <p:nvPr>
+            <p:ph type="sldImg"/>
+          </p:nvPr>
+        </p:nvSpPr>
+        <p:spPr/>
+      </p:sp>
+      <p:sp>
+        <p:nvSpPr>
+          <p:cNvPr id="3" name="Notes Placeholder 2"/>
+          <p:cNvSpPr>
+            <a:spLocks noGrp="1"/>
+          </p:cNvSpPr>
+          <p:nvPr>
+            <p:ph type="body" idx="1"/>
+          </p:nvPr>
+        </p:nvSpPr>
+        <p:spPr/>
+        <p:txBody>
+          <a:bodyPr/>
+          <a:lstStyle/>
+          <a:p>
+            <a:r>
+              <a:rPr lang="en-US" dirty="0"/>
+              <a:t/>
+            </a:r>
+            <a:endParaRPr lang="en-US" dirty="0"/>
+          </a:p>
+        </p:txBody>
+      </p:sp>
+      <p:sp>
+        <p:nvSpPr>
+          <p:cNvPr id="4" name="Slide Number Placeholder 3"/>
+          <p:cNvSpPr>
+            <a:spLocks noGrp="1"/>
+          </p:cNvSpPr>
+          <p:nvPr>
+            <p:ph type="sldNum" sz="quarter" idx="10"/>
+          </p:nvPr>
+        </p:nvSpPr>
+        <p:spPr/>
+        <p:txBody>
+          <a:bodyPr/>
+          <a:lstStyle/>
+          <a:p>
+            <a:fld id="{F7021451-1387-4CA6-816F-3879F97B5CBC}" type="slidenum">
+              <a:rPr lang="en-US"/>
+              <a:t>2</a:t>
+            </a:fld>
+            <a:endParaRPr lang="en-US"/>
+          </a:p>
+        </p:txBody>
+      </p:sp>
+    </p:spTree>
+    <p:extLst>
+      <p:ext uri="{BB962C8B-B14F-4D97-AF65-F5344CB8AC3E}">
+        <p14:creationId xmlns:p14="http://schemas.microsoft.com/office/powerpoint/2010/main" val="1024086991"/>
+      </p:ext>
+    </p:extLst>
+  </p:cSld>
+  <p:clrMapOvr>
+    <a:masterClrMapping/>
+  </p:clrMapOvr>
+</p:notes>
+</file>
+
+<file path=ppt/notesSlides/notesSlide3.xml><?xml version="1.0" encoding="utf-8"?>
+<p:notes xmlns:a="http://schemas.openxmlformats.org/drawingml/2006/main" xmlns:r="http://schemas.openxmlformats.org/officeDocument/2006/relationships" xmlns:p="http://schemas.openxmlformats.org/presentationml/2006/main">
+  <p:cSld>
+    <p:spTree>
+      <p:nvGrpSpPr>
+        <p:cNvPr id="1" name=""/>
+        <p:cNvGrpSpPr/>
+        <p:nvPr/>
+      </p:nvGrpSpPr>
+      <p:grpSpPr>
+        <a:xfrm>
+          <a:off x="0" y="0"/>
+          <a:ext cx="0" cy="0"/>
+          <a:chOff x="0" y="0"/>
+          <a:chExt cx="0" cy="0"/>
+        </a:xfrm>
+      </p:grpSpPr>
+      <p:sp>
+        <p:nvSpPr>
+          <p:cNvPr id="2" name="Slide Image Placeholder 1"/>
+          <p:cNvSpPr>
+            <a:spLocks noGrp="1" noRot="1" noChangeAspect="1"/>
+          </p:cNvSpPr>
+          <p:nvPr>
+            <p:ph type="sldImg"/>
+          </p:nvPr>
+        </p:nvSpPr>
+        <p:spPr/>
+      </p:sp>
+      <p:sp>
+        <p:nvSpPr>
+          <p:cNvPr id="3" name="Notes Placeholder 2"/>
+          <p:cNvSpPr>
+            <a:spLocks noGrp="1"/>
+          </p:cNvSpPr>
+          <p:nvPr>
+            <p:ph type="body" idx="1"/>
+          </p:nvPr>
+        </p:nvSpPr>
+        <p:spPr/>
+        <p:txBody>
+          <a:bodyPr/>
+          <a:lstStyle/>
+          <a:p>
+            <a:r>
+              <a:rPr lang="en-US" dirty="0"/>
+              <a:t/>
+            </a:r>
+            <a:endParaRPr lang="en-US" dirty="0"/>
+          </a:p>
+        </p:txBody>
+      </p:sp>
+      <p:sp>
+        <p:nvSpPr>
+          <p:cNvPr id="4" name="Slide Number Placeholder 3"/>
+          <p:cNvSpPr>
+            <a:spLocks noGrp="1"/>
+          </p:cNvSpPr>
+          <p:nvPr>
+            <p:ph type="sldNum" sz="quarter" idx="10"/>
+          </p:nvPr>
+        </p:nvSpPr>
+        <p:spPr/>
+        <p:txBody>
+          <a:bodyPr/>
+          <a:lstStyle/>
+          <a:p>
+            <a:fld id="{F7021451-1387-4CA6-816F-3879F97B5CBC}" type="slidenum">
+              <a:rPr lang="en-US"/>
+              <a:t>3</a:t>
+            </a:fld>
+            <a:endParaRPr lang="en-US"/>
+          </a:p>
+        </p:txBody>
+      </p:sp>
+    </p:spTree>
+    <p:extLst>
+      <p:ext uri="{BB962C8B-B14F-4D97-AF65-F5344CB8AC3E}">
+        <p14:creationId xmlns:p14="http://schemas.microsoft.com/office/powerpoint/2010/main" val="1024086991"/>
+      </p:ext>
+    </p:extLst>
+  </p:cSld>
+  <p:clrMapOvr>
+    <a:masterClrMapping/>
+  </p:clrMapOvr>
+</p:notes>
+</file>
+
+<file path=ppt/notesSlides/notesSlide4.xml><?xml version="1.0" encoding="utf-8"?>
+<p:notes xmlns:a="http://schemas.openxmlformats.org/drawingml/2006/main" xmlns:r="http://schemas.openxmlformats.org/officeDocument/2006/relationships" xmlns:p="http://schemas.openxmlformats.org/presentationml/2006/main">
+  <p:cSld>
+    <p:spTree>
+      <p:nvGrpSpPr>
+        <p:cNvPr id="1" name=""/>
+        <p:cNvGrpSpPr/>
+        <p:nvPr/>
+      </p:nvGrpSpPr>
+      <p:grpSpPr>
+        <a:xfrm>
+          <a:off x="0" y="0"/>
+          <a:ext cx="0" cy="0"/>
+          <a:chOff x="0" y="0"/>
+          <a:chExt cx="0" cy="0"/>
+        </a:xfrm>
+      </p:grpSpPr>
+      <p:sp>
+        <p:nvSpPr>
+          <p:cNvPr id="2" name="Slide Image Placeholder 1"/>
+          <p:cNvSpPr>
+            <a:spLocks noGrp="1" noRot="1" noChangeAspect="1"/>
+          </p:cNvSpPr>
+          <p:nvPr>
+            <p:ph type="sldImg"/>
+          </p:nvPr>
+        </p:nvSpPr>
+        <p:spPr/>
+      </p:sp>
+      <p:sp>
+        <p:nvSpPr>
+          <p:cNvPr id="3" name="Notes Placeholder 2"/>
+          <p:cNvSpPr>
+            <a:spLocks noGrp="1"/>
+          </p:cNvSpPr>
+          <p:nvPr>
+            <p:ph type="body" idx="1"/>
+          </p:nvPr>
+        </p:nvSpPr>
+        <p:spPr/>
+        <p:txBody>
+          <a:bodyPr/>
+          <a:lstStyle/>
+          <a:p>
+            <a:r>
+              <a:rPr lang="en-US" dirty="0"/>
+              <a:t/>
+            </a:r>
+            <a:endParaRPr lang="en-US" dirty="0"/>
+          </a:p>
+        </p:txBody>
+      </p:sp>
+      <p:sp>
+        <p:nvSpPr>
+          <p:cNvPr id="4" name="Slide Number Placeholder 3"/>
+          <p:cNvSpPr>
+            <a:spLocks noGrp="1"/>
+          </p:cNvSpPr>
+          <p:nvPr>
+            <p:ph type="sldNum" sz="quarter" idx="10"/>
+          </p:nvPr>
+        </p:nvSpPr>
+        <p:spPr/>
+        <p:txBody>
+          <a:bodyPr/>
+          <a:lstStyle/>
+          <a:p>
+            <a:fld id="{F7021451-1387-4CA6-816F-3879F97B5CBC}" type="slidenum">
+              <a:rPr lang="en-US"/>
+              <a:t>4</a:t>
+            </a:fld>
+            <a:endParaRPr lang="en-US"/>
+          </a:p>
+        </p:txBody>
+      </p:sp>
+    </p:spTree>
+    <p:extLst>
+      <p:ext uri="{BB962C8B-B14F-4D97-AF65-F5344CB8AC3E}">
+        <p14:creationId xmlns:p14="http://schemas.microsoft.com/office/powerpoint/2010/main" val="1024086991"/>
+      </p:ext>
+    </p:extLst>
+  </p:cSld>
+  <p:clrMapOvr>
+    <a:masterClrMapping/>
+  </p:clrMapOvr>
+</p:notes>
+</file>
+
+<file path=ppt/notesSlides/notesSlide5.xml><?xml version="1.0" encoding="utf-8"?>
+<p:notes xmlns:a="http://schemas.openxmlformats.org/drawingml/2006/main" xmlns:r="http://schemas.openxmlformats.org/officeDocument/2006/relationships" xmlns:p="http://schemas.openxmlformats.org/presentationml/2006/main">
+  <p:cSld>
+    <p:spTree>
+      <p:nvGrpSpPr>
+        <p:cNvPr id="1" name=""/>
+        <p:cNvGrpSpPr/>
+        <p:nvPr/>
+      </p:nvGrpSpPr>
+      <p:grpSpPr>
+        <a:xfrm>
+          <a:off x="0" y="0"/>
+          <a:ext cx="0" cy="0"/>
+          <a:chOff x="0" y="0"/>
+          <a:chExt cx="0" cy="0"/>
+        </a:xfrm>
+      </p:grpSpPr>
+      <p:sp>
+        <p:nvSpPr>
+          <p:cNvPr id="2" name="Slide Image Placeholder 1"/>
+          <p:cNvSpPr>
+            <a:spLocks noGrp="1" noRot="1" noChangeAspect="1"/>
+          </p:cNvSpPr>
+          <p:nvPr>
+            <p:ph type="sldImg"/>
+          </p:nvPr>
+        </p:nvSpPr>
+        <p:spPr/>
+      </p:sp>
+      <p:sp>
+        <p:nvSpPr>
+          <p:cNvPr id="3" name="Notes Placeholder 2"/>
+          <p:cNvSpPr>
+            <a:spLocks noGrp="1"/>
+          </p:cNvSpPr>
+          <p:nvPr>
+            <p:ph type="body" idx="1"/>
+          </p:nvPr>
+        </p:nvSpPr>
+        <p:spPr/>
+        <p:txBody>
+          <a:bodyPr/>
+          <a:lstStyle/>
+          <a:p>
+            <a:r>
+              <a:rPr lang="en-US" dirty="0"/>
+              <a:t/>
+            </a:r>
+            <a:endParaRPr lang="en-US" dirty="0"/>
+          </a:p>
+        </p:txBody>
+      </p:sp>
+      <p:sp>
+        <p:nvSpPr>
+          <p:cNvPr id="4" name="Slide Number Placeholder 3"/>
+          <p:cNvSpPr>
+            <a:spLocks noGrp="1"/>
+          </p:cNvSpPr>
+          <p:nvPr>
+            <p:ph type="sldNum" sz="quarter" idx="10"/>
+          </p:nvPr>
+        </p:nvSpPr>
+        <p:spPr/>
+        <p:txBody>
+          <a:bodyPr/>
+          <a:lstStyle/>
+          <a:p>
+            <a:fld id="{F7021451-1387-4CA6-816F-3879F97B5CBC}" type="slidenum">
+              <a:rPr lang="en-US"/>
+              <a:t>5</a:t>
+            </a:fld>
+            <a:endParaRPr lang="en-US"/>
+          </a:p>
+        </p:txBody>
+      </p:sp>
+    </p:spTree>
+    <p:extLst>
+      <p:ext uri="{BB962C8B-B14F-4D97-AF65-F5344CB8AC3E}">
+        <p14:creationId xmlns:p14="http://schemas.microsoft.com/office/powerpoint/2010/main" val="1024086991"/>
+      </p:ext>
+    </p:extLst>
+  </p:cSld>
+  <p:clrMapOvr>
+    <a:masterClrMapping/>
+  </p:clrMapOvr>
+</p:notes>
+</file>
+
+<file path=ppt/notesSlides/notesSlide6.xml><?xml version="1.0" encoding="utf-8"?>
+<p:notes xmlns:a="http://schemas.openxmlformats.org/drawingml/2006/main" xmlns:r="http://schemas.openxmlformats.org/officeDocument/2006/relationships" xmlns:p="http://schemas.openxmlformats.org/presentationml/2006/main">
+  <p:cSld>
+    <p:spTree>
+      <p:nvGrpSpPr>
+        <p:cNvPr id="1" name=""/>
+        <p:cNvGrpSpPr/>
+        <p:nvPr/>
+      </p:nvGrpSpPr>
+      <p:grpSpPr>
+        <a:xfrm>
+          <a:off x="0" y="0"/>
+          <a:ext cx="0" cy="0"/>
+          <a:chOff x="0" y="0"/>
+          <a:chExt cx="0" cy="0"/>
+        </a:xfrm>
+      </p:grpSpPr>
+      <p:sp>
+        <p:nvSpPr>
+          <p:cNvPr id="2" name="Slide Image Placeholder 1"/>
+          <p:cNvSpPr>
+            <a:spLocks noGrp="1" noRot="1" noChangeAspect="1"/>
+          </p:cNvSpPr>
+          <p:nvPr>
+            <p:ph type="sldImg"/>
+          </p:nvPr>
+        </p:nvSpPr>
+        <p:spPr/>
+      </p:sp>
+      <p:sp>
+        <p:nvSpPr>
+          <p:cNvPr id="3" name="Notes Placeholder 2"/>
+          <p:cNvSpPr>
+            <a:spLocks noGrp="1"/>
+          </p:cNvSpPr>
+          <p:nvPr>
+            <p:ph type="body" idx="1"/>
+          </p:nvPr>
+        </p:nvSpPr>
+        <p:spPr/>
+        <p:txBody>
+          <a:bodyPr/>
+          <a:lstStyle/>
+          <a:p>
+            <a:r>
+              <a:rPr lang="en-US" dirty="0"/>
+              <a:t/>
+            </a:r>
+            <a:endParaRPr lang="en-US" dirty="0"/>
+          </a:p>
+        </p:txBody>
+      </p:sp>
+      <p:sp>
+        <p:nvSpPr>
+          <p:cNvPr id="4" name="Slide Number Placeholder 3"/>
+          <p:cNvSpPr>
+            <a:spLocks noGrp="1"/>
+          </p:cNvSpPr>
+          <p:nvPr>
+            <p:ph type="sldNum" sz="quarter" idx="10"/>
+          </p:nvPr>
+        </p:nvSpPr>
+        <p:spPr/>
+        <p:txBody>
+          <a:bodyPr/>
+          <a:lstStyle/>
+          <a:p>
+            <a:fld id="{F7021451-1387-4CA6-816F-3879F97B5CBC}" type="slidenum">
+              <a:rPr lang="en-US"/>
+              <a:t>6</a:t>
             </a:fld>
             <a:endParaRPr lang="en-US"/>
           </a:p>
@@ -1161,6 +1606,1015 @@
 </p:sld>
 </file>
 
+<file path=ppt/slides/slide2.xml><?xml version="1.0" encoding="utf-8"?>
+<p:sld xmlns:a="http://schemas.openxmlformats.org/drawingml/2006/main" xmlns:r="http://schemas.openxmlformats.org/officeDocument/2006/relationships" xmlns:p="http://schemas.openxmlformats.org/presentationml/2006/main">
+  <p:cSld name="Slide 2">
+    <p:bg>
+      <p:bgPr>
+        <a:solidFill>
+          <a:srgbClr val="444444"/>
+        </a:solidFill>
+      </p:bgPr>
+    </p:bg>
+    <p:spTree>
+      <p:nvGrpSpPr>
+        <p:cNvPr id="1" name=""/>
+        <p:cNvGrpSpPr/>
+        <p:nvPr/>
+      </p:nvGrpSpPr>
+      <p:grpSpPr>
+        <a:xfrm>
+          <a:off x="0" y="0"/>
+          <a:ext cx="0" cy="0"/>
+          <a:chOff x="0" y="0"/>
+          <a:chExt cx="0" cy="0"/>
+        </a:xfrm>
+      </p:grpSpPr>
+      <p:sp>
+        <p:nvSpPr>
+          <p:cNvPr id="2" name="Text 0"/>
+          <p:cNvSpPr/>
+          <p:nvPr/>
+        </p:nvSpPr>
+        <p:spPr>
+          <a:xfrm>
+            <a:off x="457200" y="274320"/>
+            <a:ext cx="8229600" cy="914400"/>
+          </a:xfrm>
+          <a:prstGeom prst="rect">
+            <a:avLst/>
+          </a:prstGeom>
+          <a:noFill/>
+          <a:ln/>
+        </p:spPr>
+        <p:txBody>
+          <a:bodyPr wrap="square" rtlCol="0" anchor="ctr"/>
+          <a:lstStyle/>
+          <a:p>
+            <a:pPr algn="l" indent="0" marL="0">
+              <a:buNone/>
+            </a:pPr>
+            <a:r>
+              <a:rPr lang="en-US" sz="3200" dirty="0">
+                <a:solidFill>
+                  <a:srgbClr val="FFFFFF"/>
+                </a:solidFill>
+                <a:latin typeface="Lato, sans-serif" pitchFamily="34" charset="0"/>
+                <a:ea typeface="Lato, sans-serif" pitchFamily="34" charset="-122"/>
+                <a:cs typeface="Lato, sans-serif" pitchFamily="34" charset="-120"/>
+              </a:rPr>
+              <a:t>Paragraph</a:t>
+            </a:r>
+            <a:endParaRPr lang="en-US" sz="3200" dirty="0"/>
+          </a:p>
+        </p:txBody>
+      </p:sp>
+      <p:sp>
+        <p:nvSpPr>
+          <p:cNvPr id="3" name="Text 1"/>
+          <p:cNvSpPr/>
+          <p:nvPr/>
+        </p:nvSpPr>
+        <p:spPr>
+          <a:xfrm>
+            <a:off x="7315200" y="4572000"/>
+            <a:ext cx="3657600" cy="457200"/>
+          </a:xfrm>
+          <a:prstGeom prst="rect">
+            <a:avLst/>
+          </a:prstGeom>
+          <a:noFill/>
+          <a:ln/>
+        </p:spPr>
+        <p:txBody>
+          <a:bodyPr wrap="square" rtlCol="0" anchor="ctr"/>
+          <a:lstStyle/>
+          <a:p>
+            <a:pPr algn="l" indent="0" marL="0">
+              <a:buNone/>
+            </a:pPr>
+            <a:r>
+              <a:rPr lang="en-US" sz="2000" dirty="0">
+                <a:solidFill>
+                  <a:srgbClr val="CCCCCC"/>
+                </a:solidFill>
+                <a:latin typeface="Lato, sans-serif" pitchFamily="34" charset="0"/>
+                <a:ea typeface="Lato, sans-serif" pitchFamily="34" charset="-122"/>
+                <a:cs typeface="Lato, sans-serif" pitchFamily="34" charset="-120"/>
+              </a:rPr>
+              <a:t>Test Slide 2</a:t>
+            </a:r>
+            <a:endParaRPr lang="en-US" sz="2000" dirty="0"/>
+          </a:p>
+        </p:txBody>
+      </p:sp>
+      <p:sp>
+        <p:nvSpPr>
+          <p:cNvPr id="4" name="Text 2"/>
+          <p:cNvSpPr/>
+          <p:nvPr/>
+        </p:nvSpPr>
+        <p:spPr>
+          <a:xfrm>
+            <a:off x="457200" y="1371600"/>
+            <a:ext cx="8503920" cy="3291840"/>
+          </a:xfrm>
+          <a:prstGeom prst="rect">
+            <a:avLst/>
+          </a:prstGeom>
+          <a:noFill/>
+          <a:ln/>
+        </p:spPr>
+        <p:txBody>
+          <a:bodyPr wrap="square" rtlCol="0" anchor="t"/>
+          <a:lstStyle/>
+          <a:p>
+            <a:pPr algn="just" indent="0" marL="0">
+              <a:buNone/>
+            </a:pPr>
+            <a:r>
+              <a:rPr lang="en-US" sz="1400" dirty="0">
+                <a:solidFill>
+                  <a:srgbClr val="AAAAAA"/>
+                </a:solidFill>
+                <a:latin typeface="Lato, sans-serif" pitchFamily="34" charset="0"/>
+                <a:ea typeface="Lato, sans-serif" pitchFamily="34" charset="-122"/>
+                <a:cs typeface="Lato, sans-serif" pitchFamily="34" charset="-120"/>
+              </a:rPr>
+              <a:t>Lorem ipsum dolor sit amet, consectetur adipiscing elit. Etiam tortor massa, bibendum eu ultrices et, accumsan at nibh. Ut nec neque lacinia, placerat ipsum a, malesuada orci. Curabitur sit amet feugiat urna.</a:t>
+            </a:r>
+            <a:endParaRPr lang="en-US" sz="1400" dirty="0"/>
+          </a:p>
+        </p:txBody>
+      </p:sp>
+    </p:spTree>
+  </p:cSld>
+  <p:clrMapOvr>
+    <a:masterClrMapping/>
+  </p:clrMapOvr>
+</p:sld>
+</file>
+
+<file path=ppt/slides/slide3.xml><?xml version="1.0" encoding="utf-8"?>
+<p:sld xmlns:a="http://schemas.openxmlformats.org/drawingml/2006/main" xmlns:r="http://schemas.openxmlformats.org/officeDocument/2006/relationships" xmlns:p="http://schemas.openxmlformats.org/presentationml/2006/main">
+  <p:cSld name="Slide 3">
+    <p:bg>
+      <p:bgPr>
+        <a:solidFill>
+          <a:srgbClr val="444444"/>
+        </a:solidFill>
+      </p:bgPr>
+    </p:bg>
+    <p:spTree>
+      <p:nvGrpSpPr>
+        <p:cNvPr id="1" name=""/>
+        <p:cNvGrpSpPr/>
+        <p:nvPr/>
+      </p:nvGrpSpPr>
+      <p:grpSpPr>
+        <a:xfrm>
+          <a:off x="0" y="0"/>
+          <a:ext cx="0" cy="0"/>
+          <a:chOff x="0" y="0"/>
+          <a:chExt cx="0" cy="0"/>
+        </a:xfrm>
+      </p:grpSpPr>
+      <p:sp>
+        <p:nvSpPr>
+          <p:cNvPr id="2" name="Text 0"/>
+          <p:cNvSpPr/>
+          <p:nvPr/>
+        </p:nvSpPr>
+        <p:spPr>
+          <a:xfrm>
+            <a:off x="457200" y="274320"/>
+            <a:ext cx="8229600" cy="914400"/>
+          </a:xfrm>
+          <a:prstGeom prst="rect">
+            <a:avLst/>
+          </a:prstGeom>
+          <a:noFill/>
+          <a:ln/>
+        </p:spPr>
+        <p:txBody>
+          <a:bodyPr wrap="square" rtlCol="0" anchor="ctr"/>
+          <a:lstStyle/>
+          <a:p>
+            <a:pPr algn="l" indent="0" marL="0">
+              <a:buNone/>
+            </a:pPr>
+            <a:r>
+              <a:rPr lang="en-US" sz="3200" dirty="0">
+                <a:solidFill>
+                  <a:srgbClr val="FFFFFF"/>
+                </a:solidFill>
+                <a:latin typeface="Lato, sans-serif" pitchFamily="34" charset="0"/>
+                <a:ea typeface="Lato, sans-serif" pitchFamily="34" charset="-122"/>
+                <a:cs typeface="Lato, sans-serif" pitchFamily="34" charset="-120"/>
+              </a:rPr>
+              <a:t>Comparison</a:t>
+            </a:r>
+            <a:endParaRPr lang="en-US" sz="3200" dirty="0"/>
+          </a:p>
+        </p:txBody>
+      </p:sp>
+      <p:sp>
+        <p:nvSpPr>
+          <p:cNvPr id="3" name="Text 1"/>
+          <p:cNvSpPr/>
+          <p:nvPr/>
+        </p:nvSpPr>
+        <p:spPr>
+          <a:xfrm>
+            <a:off x="7315200" y="4572000"/>
+            <a:ext cx="3657600" cy="457200"/>
+          </a:xfrm>
+          <a:prstGeom prst="rect">
+            <a:avLst/>
+          </a:prstGeom>
+          <a:noFill/>
+          <a:ln/>
+        </p:spPr>
+        <p:txBody>
+          <a:bodyPr wrap="square" rtlCol="0" anchor="ctr"/>
+          <a:lstStyle/>
+          <a:p>
+            <a:pPr algn="l" indent="0" marL="0">
+              <a:buNone/>
+            </a:pPr>
+            <a:r>
+              <a:rPr lang="en-US" sz="2000" dirty="0">
+                <a:solidFill>
+                  <a:srgbClr val="CCCCCC"/>
+                </a:solidFill>
+                <a:latin typeface="Lato, sans-serif" pitchFamily="34" charset="0"/>
+                <a:ea typeface="Lato, sans-serif" pitchFamily="34" charset="-122"/>
+                <a:cs typeface="Lato, sans-serif" pitchFamily="34" charset="-120"/>
+              </a:rPr>
+              <a:t>Test Slide 3</a:t>
+            </a:r>
+            <a:endParaRPr lang="en-US" sz="2000" dirty="0"/>
+          </a:p>
+        </p:txBody>
+      </p:sp>
+      <p:sp>
+        <p:nvSpPr>
+          <p:cNvPr id="4" name="Text 2"/>
+          <p:cNvSpPr/>
+          <p:nvPr/>
+        </p:nvSpPr>
+        <p:spPr>
+          <a:xfrm>
+            <a:off x="274320" y="1371600"/>
+            <a:ext cx="3840480" cy="3108960"/>
+          </a:xfrm>
+          <a:prstGeom prst="rect">
+            <a:avLst/>
+          </a:prstGeom>
+          <a:noFill/>
+          <a:ln/>
+        </p:spPr>
+        <p:txBody>
+          <a:bodyPr wrap="square" rtlCol="0" anchor="t"/>
+          <a:lstStyle/>
+          <a:p>
+            <a:pPr algn="l" indent="0" marL="0">
+              <a:buNone/>
+            </a:pPr>
+            <a:r>
+              <a:rPr lang="en-US" sz="1400" dirty="0">
+                <a:solidFill>
+                  <a:srgbClr val="AAAAAA"/>
+                </a:solidFill>
+                <a:latin typeface="Lato, sans-serif" pitchFamily="34" charset="0"/>
+                <a:ea typeface="Lato, sans-serif" pitchFamily="34" charset="-122"/>
+                <a:cs typeface="Lato, sans-serif" pitchFamily="34" charset="-120"/>
+              </a:rPr>
+              <a:t>Laptop A features a sleek design and lightweight build, making it extremely portable. It comes equipped with an Intel Core i5 processor, 8GB of RAM, and a 256GB SSD, which provides a perfect balance between performance and battery life. Ideal for students and professionals on the go, it also includes a full HD display, ensuring vibrant visuals for any task.</a:t>
+            </a:r>
+            <a:endParaRPr lang="en-US" sz="1400" dirty="0"/>
+          </a:p>
+        </p:txBody>
+      </p:sp>
+      <p:sp>
+        <p:nvSpPr>
+          <p:cNvPr id="5" name="Text 3"/>
+          <p:cNvSpPr/>
+          <p:nvPr/>
+        </p:nvSpPr>
+        <p:spPr>
+          <a:xfrm>
+            <a:off x="4663440" y="1371600"/>
+            <a:ext cx="3840480" cy="3108960"/>
+          </a:xfrm>
+          <a:prstGeom prst="rect">
+            <a:avLst/>
+          </a:prstGeom>
+          <a:noFill/>
+          <a:ln/>
+        </p:spPr>
+        <p:txBody>
+          <a:bodyPr wrap="square" rtlCol="0" anchor="t"/>
+          <a:lstStyle/>
+          <a:p>
+            <a:pPr algn="l" indent="0" marL="0">
+              <a:buNone/>
+            </a:pPr>
+            <a:r>
+              <a:rPr lang="en-US" sz="1400" dirty="0">
+                <a:solidFill>
+                  <a:srgbClr val="AAAAAA"/>
+                </a:solidFill>
+                <a:latin typeface="Lato, sans-serif" pitchFamily="34" charset="0"/>
+                <a:ea typeface="Lato, sans-serif" pitchFamily="34" charset="-122"/>
+                <a:cs typeface="Lato, sans-serif" pitchFamily="34" charset="-120"/>
+              </a:rPr>
+              <a:t>On the other hand, Laptop B is designed for power users who require advanced computing capabilities. With an Intel Core i7 processor, 16GB of RAM, and a 1TB HDD, it offers superior multitasking performance and ample storage for large files. Additionally, it features a dedicated graphics card, making it suitable for gaming and graphic design. However, its bulkier design makes it less portable than Laptop A.</a:t>
+            </a:r>
+            <a:endParaRPr lang="en-US" sz="1400" dirty="0"/>
+          </a:p>
+        </p:txBody>
+      </p:sp>
+      <p:sp>
+        <p:nvSpPr>
+          <p:cNvPr id="6" name="Shape 4"/>
+          <p:cNvSpPr/>
+          <p:nvPr/>
+        </p:nvSpPr>
+        <p:spPr>
+          <a:xfrm>
+            <a:off x="4389120" y="1371600"/>
+            <a:ext cx="0" cy="3657600"/>
+          </a:xfrm>
+          <a:prstGeom prst="line">
+            <a:avLst/>
+          </a:prstGeom>
+          <a:noFill/>
+          <a:ln w="12700">
+            <a:solidFill>
+              <a:srgbClr val="BBBBBB"/>
+            </a:solidFill>
+            <a:prstDash val="solid"/>
+          </a:ln>
+        </p:spPr>
+      </p:sp>
+    </p:spTree>
+  </p:cSld>
+  <p:clrMapOvr>
+    <a:masterClrMapping/>
+  </p:clrMapOvr>
+</p:sld>
+</file>
+
+<file path=ppt/slides/slide4.xml><?xml version="1.0" encoding="utf-8"?>
+<p:sld xmlns:a="http://schemas.openxmlformats.org/drawingml/2006/main" xmlns:r="http://schemas.openxmlformats.org/officeDocument/2006/relationships" xmlns:p="http://schemas.openxmlformats.org/presentationml/2006/main">
+  <p:cSld name="Slide 4">
+    <p:bg>
+      <p:bgPr>
+        <a:solidFill>
+          <a:srgbClr val="444444"/>
+        </a:solidFill>
+      </p:bgPr>
+    </p:bg>
+    <p:spTree>
+      <p:nvGrpSpPr>
+        <p:cNvPr id="1" name=""/>
+        <p:cNvGrpSpPr/>
+        <p:nvPr/>
+      </p:nvGrpSpPr>
+      <p:grpSpPr>
+        <a:xfrm>
+          <a:off x="0" y="0"/>
+          <a:ext cx="0" cy="0"/>
+          <a:chOff x="0" y="0"/>
+          <a:chExt cx="0" cy="0"/>
+        </a:xfrm>
+      </p:grpSpPr>
+      <p:sp>
+        <p:nvSpPr>
+          <p:cNvPr id="2" name="Text 0"/>
+          <p:cNvSpPr/>
+          <p:nvPr/>
+        </p:nvSpPr>
+        <p:spPr>
+          <a:xfrm>
+            <a:off x="457200" y="274320"/>
+            <a:ext cx="8229600" cy="914400"/>
+          </a:xfrm>
+          <a:prstGeom prst="rect">
+            <a:avLst/>
+          </a:prstGeom>
+          <a:noFill/>
+          <a:ln/>
+        </p:spPr>
+        <p:txBody>
+          <a:bodyPr wrap="square" rtlCol="0" anchor="ctr"/>
+          <a:lstStyle/>
+          <a:p>
+            <a:pPr algn="l" indent="0" marL="0">
+              <a:buNone/>
+            </a:pPr>
+            <a:r>
+              <a:rPr lang="en-US" sz="3200" dirty="0">
+                <a:solidFill>
+                  <a:srgbClr val="FFFFFF"/>
+                </a:solidFill>
+                <a:latin typeface="Lato, sans-serif" pitchFamily="34" charset="0"/>
+                <a:ea typeface="Lato, sans-serif" pitchFamily="34" charset="-122"/>
+                <a:cs typeface="Lato, sans-serif" pitchFamily="34" charset="-120"/>
+              </a:rPr>
+              <a:t>Neural Machine Translation: A New Approach</a:t>
+            </a:r>
+            <a:endParaRPr lang="en-US" sz="3200" dirty="0"/>
+          </a:p>
+        </p:txBody>
+      </p:sp>
+      <p:sp>
+        <p:nvSpPr>
+          <p:cNvPr id="3" name="Text 1"/>
+          <p:cNvSpPr/>
+          <p:nvPr/>
+        </p:nvSpPr>
+        <p:spPr>
+          <a:xfrm>
+            <a:off x="7315200" y="4572000"/>
+            <a:ext cx="3657600" cy="457200"/>
+          </a:xfrm>
+          <a:prstGeom prst="rect">
+            <a:avLst/>
+          </a:prstGeom>
+          <a:noFill/>
+          <a:ln/>
+        </p:spPr>
+        <p:txBody>
+          <a:bodyPr wrap="square" rtlCol="0" anchor="ctr"/>
+          <a:lstStyle/>
+          <a:p>
+            <a:pPr algn="l" indent="0" marL="0">
+              <a:buNone/>
+            </a:pPr>
+            <a:r>
+              <a:rPr lang="en-US" sz="2000" dirty="0">
+                <a:solidFill>
+                  <a:srgbClr val="CCCCCC"/>
+                </a:solidFill>
+                <a:latin typeface="Lato, sans-serif" pitchFamily="34" charset="0"/>
+                <a:ea typeface="Lato, sans-serif" pitchFamily="34" charset="-122"/>
+                <a:cs typeface="Lato, sans-serif" pitchFamily="34" charset="-120"/>
+              </a:rPr>
+              <a:t>Deep Learning</a:t>
+            </a:r>
+            <a:endParaRPr lang="en-US" sz="2000" dirty="0"/>
+          </a:p>
+        </p:txBody>
+      </p:sp>
+      <p:sp>
+        <p:nvSpPr>
+          <p:cNvPr id="4" name="Text 2"/>
+          <p:cNvSpPr/>
+          <p:nvPr/>
+        </p:nvSpPr>
+        <p:spPr>
+          <a:xfrm>
+            <a:off x="457200" y="1371600"/>
+            <a:ext cx="8503920" cy="3291840"/>
+          </a:xfrm>
+          <a:prstGeom prst="rect">
+            <a:avLst/>
+          </a:prstGeom>
+          <a:noFill/>
+          <a:ln/>
+        </p:spPr>
+        <p:txBody>
+          <a:bodyPr wrap="square" rtlCol="0" anchor="t"/>
+          <a:lstStyle/>
+          <a:p>
+            <a:pPr algn="just" indent="0" marL="0">
+              <a:buNone/>
+            </a:pPr>
+            <a:r>
+              <a:rPr lang="en-US" sz="1400" dirty="0">
+                <a:solidFill>
+                  <a:srgbClr val="AAAAAA"/>
+                </a:solidFill>
+                <a:latin typeface="Lato, sans-serif" pitchFamily="34" charset="0"/>
+                <a:ea typeface="Lato, sans-serif" pitchFamily="34" charset="-122"/>
+                <a:cs typeface="Lato, sans-serif" pitchFamily="34" charset="-120"/>
+              </a:rPr>
+              <a:t>Neural machine translation (NMT) is an emerging approach to machine translation that aims to build a single neural network capable of translating sentences. This contrasts with traditional statistical machine translation (SMT), which relies on numerous smaller components tuned separately. NMT attempts to learn the entire translation process within a single neural network, potentially achieving more accurate and fluent translations. The core of NMT is the encoder-decoder architecture, where the encoder reads a source sentence and converts it into a fixed-length vector representation, and the decoder uses this representation to generate the translated sentence. This architecture allows the model to learn the complex relationships between words and sentences in a more unified and holistic manner, potentially leading to improved translation quality.</a:t>
+            </a:r>
+            <a:endParaRPr lang="en-US" sz="1400" dirty="0"/>
+          </a:p>
+        </p:txBody>
+      </p:sp>
+    </p:spTree>
+  </p:cSld>
+  <p:clrMapOvr>
+    <a:masterClrMapping/>
+  </p:clrMapOvr>
+</p:sld>
+</file>
+
+<file path=ppt/slides/slide5.xml><?xml version="1.0" encoding="utf-8"?>
+<p:sld xmlns:a="http://schemas.openxmlformats.org/drawingml/2006/main" xmlns:r="http://schemas.openxmlformats.org/officeDocument/2006/relationships" xmlns:p="http://schemas.openxmlformats.org/presentationml/2006/main">
+  <p:cSld name="Slide 5">
+    <p:bg>
+      <p:bgPr>
+        <a:solidFill>
+          <a:srgbClr val="444444"/>
+        </a:solidFill>
+      </p:bgPr>
+    </p:bg>
+    <p:spTree>
+      <p:nvGrpSpPr>
+        <p:cNvPr id="1" name=""/>
+        <p:cNvGrpSpPr/>
+        <p:nvPr/>
+      </p:nvGrpSpPr>
+      <p:grpSpPr>
+        <a:xfrm>
+          <a:off x="0" y="0"/>
+          <a:ext cx="0" cy="0"/>
+          <a:chOff x="0" y="0"/>
+          <a:chExt cx="0" cy="0"/>
+        </a:xfrm>
+      </p:grpSpPr>
+      <p:sp>
+        <p:nvSpPr>
+          <p:cNvPr id="2" name="Text 0"/>
+          <p:cNvSpPr/>
+          <p:nvPr/>
+        </p:nvSpPr>
+        <p:spPr>
+          <a:xfrm>
+            <a:off x="457200" y="274320"/>
+            <a:ext cx="8229600" cy="914400"/>
+          </a:xfrm>
+          <a:prstGeom prst="rect">
+            <a:avLst/>
+          </a:prstGeom>
+          <a:noFill/>
+          <a:ln/>
+        </p:spPr>
+        <p:txBody>
+          <a:bodyPr wrap="square" rtlCol="0" anchor="ctr"/>
+          <a:lstStyle/>
+          <a:p>
+            <a:pPr algn="l" indent="0" marL="0">
+              <a:buNone/>
+            </a:pPr>
+            <a:r>
+              <a:rPr lang="en-US" sz="3200" dirty="0">
+                <a:solidFill>
+                  <a:srgbClr val="FFFFFF"/>
+                </a:solidFill>
+                <a:latin typeface="Lato, sans-serif" pitchFamily="34" charset="0"/>
+                <a:ea typeface="Lato, sans-serif" pitchFamily="34" charset="-122"/>
+                <a:cs typeface="Lato, sans-serif" pitchFamily="34" charset="-120"/>
+              </a:rPr>
+              <a:t>NMT vs SMT: A Comparison</a:t>
+            </a:r>
+            <a:endParaRPr lang="en-US" sz="3200" dirty="0"/>
+          </a:p>
+        </p:txBody>
+      </p:sp>
+      <p:sp>
+        <p:nvSpPr>
+          <p:cNvPr id="3" name="Text 1"/>
+          <p:cNvSpPr/>
+          <p:nvPr/>
+        </p:nvSpPr>
+        <p:spPr>
+          <a:xfrm>
+            <a:off x="7315200" y="4572000"/>
+            <a:ext cx="3657600" cy="457200"/>
+          </a:xfrm>
+          <a:prstGeom prst="rect">
+            <a:avLst/>
+          </a:prstGeom>
+          <a:noFill/>
+          <a:ln/>
+        </p:spPr>
+        <p:txBody>
+          <a:bodyPr wrap="square" rtlCol="0" anchor="ctr"/>
+          <a:lstStyle/>
+          <a:p>
+            <a:pPr algn="l" indent="0" marL="0">
+              <a:buNone/>
+            </a:pPr>
+            <a:r>
+              <a:rPr lang="en-US" sz="2000" dirty="0">
+                <a:solidFill>
+                  <a:srgbClr val="CCCCCC"/>
+                </a:solidFill>
+                <a:latin typeface="Lato, sans-serif" pitchFamily="34" charset="0"/>
+                <a:ea typeface="Lato, sans-serif" pitchFamily="34" charset="-122"/>
+                <a:cs typeface="Lato, sans-serif" pitchFamily="34" charset="-120"/>
+              </a:rPr>
+              <a:t>Deep Learning</a:t>
+            </a:r>
+            <a:endParaRPr lang="en-US" sz="2000" dirty="0"/>
+          </a:p>
+        </p:txBody>
+      </p:sp>
+      <p:sp>
+        <p:nvSpPr>
+          <p:cNvPr id="4" name="Text 2"/>
+          <p:cNvSpPr/>
+          <p:nvPr/>
+        </p:nvSpPr>
+        <p:spPr>
+          <a:xfrm>
+            <a:off x="457200" y="1371600"/>
+            <a:ext cx="8503920" cy="640080"/>
+          </a:xfrm>
+          <a:prstGeom prst="rect">
+            <a:avLst/>
+          </a:prstGeom>
+          <a:noFill/>
+          <a:ln/>
+        </p:spPr>
+        <p:txBody>
+          <a:bodyPr wrap="square" rtlCol="0" anchor="t"/>
+          <a:lstStyle/>
+          <a:p>
+            <a:pPr algn="l" marL="342900" indent="-342900">
+              <a:buSzPct val="100000"/>
+              <a:buChar char="•"/>
+            </a:pPr>
+            <a:r>
+              <a:rPr lang="en-US" sz="1400" dirty="0">
+                <a:solidFill>
+                  <a:srgbClr val="AAAAAA"/>
+                </a:solidFill>
+                <a:latin typeface="Lato, sans-serif" pitchFamily="34" charset="0"/>
+                <a:ea typeface="Lato, sans-serif" pitchFamily="34" charset="-122"/>
+                <a:cs typeface="Lato, sans-serif" pitchFamily="34" charset="-120"/>
+              </a:rPr>
+              <a:t>NMT strives to create a single neural network that learns the entire translation process, while SMT relies on multiple components tuned separately.</a:t>
+            </a:r>
+            <a:endParaRPr lang="en-US" sz="1400" dirty="0"/>
+          </a:p>
+        </p:txBody>
+      </p:sp>
+      <p:sp>
+        <p:nvSpPr>
+          <p:cNvPr id="5" name="Text 3"/>
+          <p:cNvSpPr/>
+          <p:nvPr/>
+        </p:nvSpPr>
+        <p:spPr>
+          <a:xfrm>
+            <a:off x="457200" y="2011680"/>
+            <a:ext cx="8503920" cy="640080"/>
+          </a:xfrm>
+          <a:prstGeom prst="rect">
+            <a:avLst/>
+          </a:prstGeom>
+          <a:noFill/>
+          <a:ln/>
+        </p:spPr>
+        <p:txBody>
+          <a:bodyPr wrap="square" rtlCol="0" anchor="t"/>
+          <a:lstStyle/>
+          <a:p>
+            <a:pPr algn="l" marL="342900" indent="-342900">
+              <a:buSzPct val="100000"/>
+              <a:buChar char="•"/>
+            </a:pPr>
+            <a:r>
+              <a:rPr lang="en-US" sz="1400" dirty="0">
+                <a:solidFill>
+                  <a:srgbClr val="AAAAAA"/>
+                </a:solidFill>
+                <a:latin typeface="Lato, sans-serif" pitchFamily="34" charset="0"/>
+                <a:ea typeface="Lato, sans-serif" pitchFamily="34" charset="-122"/>
+                <a:cs typeface="Lato, sans-serif" pitchFamily="34" charset="-120"/>
+              </a:rPr>
+              <a:t>NMT's unified approach allows for a more holistic understanding of language structure, potentially leading to more fluent and accurate translations, whereas SMT's modular approach may lead to less coherent results.</a:t>
+            </a:r>
+            <a:endParaRPr lang="en-US" sz="1400" dirty="0"/>
+          </a:p>
+        </p:txBody>
+      </p:sp>
+    </p:spTree>
+  </p:cSld>
+  <p:clrMapOvr>
+    <a:masterClrMapping/>
+  </p:clrMapOvr>
+</p:sld>
+</file>
+
+<file path=ppt/slides/slide6.xml><?xml version="1.0" encoding="utf-8"?>
+<p:sld xmlns:a="http://schemas.openxmlformats.org/drawingml/2006/main" xmlns:r="http://schemas.openxmlformats.org/officeDocument/2006/relationships" xmlns:p="http://schemas.openxmlformats.org/presentationml/2006/main">
+  <p:cSld name="Slide 6">
+    <p:bg>
+      <p:bgPr>
+        <a:solidFill>
+          <a:srgbClr val="444444"/>
+        </a:solidFill>
+      </p:bgPr>
+    </p:bg>
+    <p:spTree>
+      <p:nvGrpSpPr>
+        <p:cNvPr id="1" name=""/>
+        <p:cNvGrpSpPr/>
+        <p:nvPr/>
+      </p:nvGrpSpPr>
+      <p:grpSpPr>
+        <a:xfrm>
+          <a:off x="0" y="0"/>
+          <a:ext cx="0" cy="0"/>
+          <a:chOff x="0" y="0"/>
+          <a:chExt cx="0" cy="0"/>
+        </a:xfrm>
+      </p:grpSpPr>
+      <p:sp>
+        <p:nvSpPr>
+          <p:cNvPr id="2" name="Text 0"/>
+          <p:cNvSpPr/>
+          <p:nvPr/>
+        </p:nvSpPr>
+        <p:spPr>
+          <a:xfrm>
+            <a:off x="457200" y="274320"/>
+            <a:ext cx="8229600" cy="914400"/>
+          </a:xfrm>
+          <a:prstGeom prst="rect">
+            <a:avLst/>
+          </a:prstGeom>
+          <a:noFill/>
+          <a:ln/>
+        </p:spPr>
+        <p:txBody>
+          <a:bodyPr wrap="square" rtlCol="0" anchor="ctr"/>
+          <a:lstStyle/>
+          <a:p>
+            <a:pPr algn="l" indent="0" marL="0">
+              <a:buNone/>
+            </a:pPr>
+            <a:r>
+              <a:rPr lang="en-US" sz="3200" dirty="0">
+                <a:solidFill>
+                  <a:srgbClr val="FFFFFF"/>
+                </a:solidFill>
+                <a:latin typeface="Lato, sans-serif" pitchFamily="34" charset="0"/>
+                <a:ea typeface="Lato, sans-serif" pitchFamily="34" charset="-122"/>
+                <a:cs typeface="Lato, sans-serif" pitchFamily="34" charset="-120"/>
+              </a:rPr>
+              <a:t>Key Takeaways about NMT</a:t>
+            </a:r>
+            <a:endParaRPr lang="en-US" sz="3200" dirty="0"/>
+          </a:p>
+        </p:txBody>
+      </p:sp>
+      <p:sp>
+        <p:nvSpPr>
+          <p:cNvPr id="3" name="Text 1"/>
+          <p:cNvSpPr/>
+          <p:nvPr/>
+        </p:nvSpPr>
+        <p:spPr>
+          <a:xfrm>
+            <a:off x="7315200" y="4572000"/>
+            <a:ext cx="3657600" cy="457200"/>
+          </a:xfrm>
+          <a:prstGeom prst="rect">
+            <a:avLst/>
+          </a:prstGeom>
+          <a:noFill/>
+          <a:ln/>
+        </p:spPr>
+        <p:txBody>
+          <a:bodyPr wrap="square" rtlCol="0" anchor="ctr"/>
+          <a:lstStyle/>
+          <a:p>
+            <a:pPr algn="l" indent="0" marL="0">
+              <a:buNone/>
+            </a:pPr>
+            <a:r>
+              <a:rPr lang="en-US" sz="2000" dirty="0">
+                <a:solidFill>
+                  <a:srgbClr val="CCCCCC"/>
+                </a:solidFill>
+                <a:latin typeface="Lato, sans-serif" pitchFamily="34" charset="0"/>
+                <a:ea typeface="Lato, sans-serif" pitchFamily="34" charset="-122"/>
+                <a:cs typeface="Lato, sans-serif" pitchFamily="34" charset="-120"/>
+              </a:rPr>
+              <a:t>Deep Learning</a:t>
+            </a:r>
+            <a:endParaRPr lang="en-US" sz="2000" dirty="0"/>
+          </a:p>
+        </p:txBody>
+      </p:sp>
+      <p:sp>
+        <p:nvSpPr>
+          <p:cNvPr id="4" name="Text 2"/>
+          <p:cNvSpPr/>
+          <p:nvPr/>
+        </p:nvSpPr>
+        <p:spPr>
+          <a:xfrm>
+            <a:off x="457200" y="1371600"/>
+            <a:ext cx="8503920" cy="640080"/>
+          </a:xfrm>
+          <a:prstGeom prst="rect">
+            <a:avLst/>
+          </a:prstGeom>
+          <a:noFill/>
+          <a:ln/>
+        </p:spPr>
+        <p:txBody>
+          <a:bodyPr wrap="square" rtlCol="0" anchor="t"/>
+          <a:lstStyle/>
+          <a:p>
+            <a:pPr algn="l" marL="342900" indent="-342900">
+              <a:buSzPct val="100000"/>
+              <a:buChar char="•"/>
+            </a:pPr>
+            <a:r>
+              <a:rPr lang="en-US" sz="1400" dirty="0">
+                <a:solidFill>
+                  <a:srgbClr val="AAAAAA"/>
+                </a:solidFill>
+                <a:latin typeface="Lato, sans-serif" pitchFamily="34" charset="0"/>
+                <a:ea typeface="Lato, sans-serif" pitchFamily="34" charset="-122"/>
+                <a:cs typeface="Lato, sans-serif" pitchFamily="34" charset="-120"/>
+              </a:rPr>
+              <a:t>Neural machine translation utilizes a single neural network to learn the translation process.</a:t>
+            </a:r>
+            <a:endParaRPr lang="en-US" sz="1400" dirty="0"/>
+          </a:p>
+        </p:txBody>
+      </p:sp>
+      <p:sp>
+        <p:nvSpPr>
+          <p:cNvPr id="5" name="Text 3"/>
+          <p:cNvSpPr/>
+          <p:nvPr/>
+        </p:nvSpPr>
+        <p:spPr>
+          <a:xfrm>
+            <a:off x="457200" y="2011680"/>
+            <a:ext cx="8503920" cy="640080"/>
+          </a:xfrm>
+          <a:prstGeom prst="rect">
+            <a:avLst/>
+          </a:prstGeom>
+          <a:noFill/>
+          <a:ln/>
+        </p:spPr>
+        <p:txBody>
+          <a:bodyPr wrap="square" rtlCol="0" anchor="t"/>
+          <a:lstStyle/>
+          <a:p>
+            <a:pPr algn="l" marL="342900" indent="-342900">
+              <a:buSzPct val="100000"/>
+              <a:buChar char="•"/>
+            </a:pPr>
+            <a:r>
+              <a:rPr lang="en-US" sz="1400" dirty="0">
+                <a:solidFill>
+                  <a:srgbClr val="AAAAAA"/>
+                </a:solidFill>
+                <a:latin typeface="Lato, sans-serif" pitchFamily="34" charset="0"/>
+                <a:ea typeface="Lato, sans-serif" pitchFamily="34" charset="-122"/>
+                <a:cs typeface="Lato, sans-serif" pitchFamily="34" charset="-120"/>
+              </a:rPr>
+              <a:t>NMT aims to build a more unified and holistic understanding of language structure compared to SMT.</a:t>
+            </a:r>
+            <a:endParaRPr lang="en-US" sz="1400" dirty="0"/>
+          </a:p>
+        </p:txBody>
+      </p:sp>
+      <p:sp>
+        <p:nvSpPr>
+          <p:cNvPr id="6" name="Text 4"/>
+          <p:cNvSpPr/>
+          <p:nvPr/>
+        </p:nvSpPr>
+        <p:spPr>
+          <a:xfrm>
+            <a:off x="457200" y="2651760"/>
+            <a:ext cx="8503920" cy="640080"/>
+          </a:xfrm>
+          <a:prstGeom prst="rect">
+            <a:avLst/>
+          </a:prstGeom>
+          <a:noFill/>
+          <a:ln/>
+        </p:spPr>
+        <p:txBody>
+          <a:bodyPr wrap="square" rtlCol="0" anchor="t"/>
+          <a:lstStyle/>
+          <a:p>
+            <a:pPr algn="l" marL="342900" indent="-342900">
+              <a:buSzPct val="100000"/>
+              <a:buChar char="•"/>
+            </a:pPr>
+            <a:r>
+              <a:rPr lang="en-US" sz="1400" dirty="0">
+                <a:solidFill>
+                  <a:srgbClr val="AAAAAA"/>
+                </a:solidFill>
+                <a:latin typeface="Lato, sans-serif" pitchFamily="34" charset="0"/>
+                <a:ea typeface="Lato, sans-serif" pitchFamily="34" charset="-122"/>
+                <a:cs typeface="Lato, sans-serif" pitchFamily="34" charset="-120"/>
+              </a:rPr>
+              <a:t>NMT's encoder-decoder architecture consists of an encoder that converts the source sentence into a vector representation and a decoder that generates the translated sentence.</a:t>
+            </a:r>
+            <a:endParaRPr lang="en-US" sz="1400" dirty="0"/>
+          </a:p>
+        </p:txBody>
+      </p:sp>
+      <p:sp>
+        <p:nvSpPr>
+          <p:cNvPr id="7" name="Text 5"/>
+          <p:cNvSpPr/>
+          <p:nvPr/>
+        </p:nvSpPr>
+        <p:spPr>
+          <a:xfrm>
+            <a:off x="457200" y="3291840"/>
+            <a:ext cx="8503920" cy="640080"/>
+          </a:xfrm>
+          <a:prstGeom prst="rect">
+            <a:avLst/>
+          </a:prstGeom>
+          <a:noFill/>
+          <a:ln/>
+        </p:spPr>
+        <p:txBody>
+          <a:bodyPr wrap="square" rtlCol="0" anchor="t"/>
+          <a:lstStyle/>
+          <a:p>
+            <a:pPr algn="l" marL="342900" indent="-342900">
+              <a:buSzPct val="100000"/>
+              <a:buChar char="•"/>
+            </a:pPr>
+            <a:r>
+              <a:rPr lang="en-US" sz="1400" dirty="0">
+                <a:solidFill>
+                  <a:srgbClr val="AAAAAA"/>
+                </a:solidFill>
+                <a:latin typeface="Lato, sans-serif" pitchFamily="34" charset="0"/>
+                <a:ea typeface="Lato, sans-serif" pitchFamily="34" charset="-122"/>
+                <a:cs typeface="Lato, sans-serif" pitchFamily="34" charset="-120"/>
+              </a:rPr>
+              <a:t>NMT has the potential to achieve more accurate and fluent translations due to its unified approach.</a:t>
+            </a:r>
+            <a:endParaRPr lang="en-US" sz="1400" dirty="0"/>
+          </a:p>
+        </p:txBody>
+      </p:sp>
+      <p:sp>
+        <p:nvSpPr>
+          <p:cNvPr id="8" name="Text 6"/>
+          <p:cNvSpPr/>
+          <p:nvPr/>
+        </p:nvSpPr>
+        <p:spPr>
+          <a:xfrm>
+            <a:off x="457200" y="3931920"/>
+            <a:ext cx="8503920" cy="640080"/>
+          </a:xfrm>
+          <a:prstGeom prst="rect">
+            <a:avLst/>
+          </a:prstGeom>
+          <a:noFill/>
+          <a:ln/>
+        </p:spPr>
+        <p:txBody>
+          <a:bodyPr wrap="square" rtlCol="0" anchor="t"/>
+          <a:lstStyle/>
+          <a:p>
+            <a:pPr algn="l" marL="342900" indent="-342900">
+              <a:buSzPct val="100000"/>
+              <a:buChar char="•"/>
+            </a:pPr>
+            <a:r>
+              <a:rPr lang="en-US" sz="1400" dirty="0">
+                <a:solidFill>
+                  <a:srgbClr val="AAAAAA"/>
+                </a:solidFill>
+                <a:latin typeface="Lato, sans-serif" pitchFamily="34" charset="0"/>
+                <a:ea typeface="Lato, sans-serif" pitchFamily="34" charset="-122"/>
+                <a:cs typeface="Lato, sans-serif" pitchFamily="34" charset="-120"/>
+              </a:rPr>
+              <a:t>NMT is still a relatively new field, but it has shown promising results and is an active area of research.</a:t>
+            </a:r>
+            <a:endParaRPr lang="en-US" sz="1400" dirty="0"/>
+          </a:p>
+        </p:txBody>
+      </p:sp>
+    </p:spTree>
+  </p:cSld>
+  <p:clrMapOvr>
+    <a:masterClrMapping/>
+  </p:clrMapOvr>
+</p:sld>
+</file>
+
 <file path=ppt/theme/theme1.xml><?xml version="1.0" encoding="utf-8"?>
 <a:theme xmlns:a="http://schemas.openxmlformats.org/drawingml/2006/main" name="Office Theme">
   <a:themeElements>
